--- a/Deep learning.pptx
+++ b/Deep learning.pptx
@@ -191,21 +191,20 @@
               </a:defRPr>
             </a:pPr>
             <a:r>
-              <a:rPr lang="en-US"/>
+              <a:rPr lang="en-US" dirty="0"/>
               <a:t>Random</a:t>
             </a:r>
             <a:r>
-              <a:rPr lang="en-US" baseline="0"/>
+              <a:rPr lang="en-US" baseline="0" dirty="0"/>
               <a:t> Detection Model </a:t>
             </a:r>
             <a:r>
-              <a:rPr lang="en-US"/>
+              <a:rPr lang="en-US" dirty="0"/>
               <a:t>Performance </a:t>
             </a:r>
           </a:p>
         </c:rich>
       </c:tx>
-      <c:layout/>
       <c:overlay val="0"/>
       <c:spPr>
         <a:noFill/>
@@ -725,7 +724,6 @@
     </c:plotArea>
     <c:legend>
       <c:legendPos val="b"/>
-      <c:layout/>
       <c:overlay val="0"/>
       <c:spPr>
         <a:noFill/>
@@ -782,7 +780,524 @@
 </c:chartSpace>
 </file>
 
+<file path=ppt/charts/chart2.xml><?xml version="1.0" encoding="utf-8"?>
+<c:chartSpace xmlns:c="http://schemas.openxmlformats.org/drawingml/2006/chart" xmlns:a="http://schemas.openxmlformats.org/drawingml/2006/main" xmlns:r="http://schemas.openxmlformats.org/officeDocument/2006/relationships" xmlns:c16r2="http://schemas.microsoft.com/office/drawing/2015/06/chart">
+  <c:date1904 val="0"/>
+  <c:lang val="en-US"/>
+  <c:roundedCorners val="0"/>
+  <mc:AlternateContent xmlns:mc="http://schemas.openxmlformats.org/markup-compatibility/2006">
+    <mc:Choice xmlns:c14="http://schemas.microsoft.com/office/drawing/2007/8/2/chart" Requires="c14">
+      <c14:style val="102"/>
+    </mc:Choice>
+    <mc:Fallback>
+      <c:style val="2"/>
+    </mc:Fallback>
+  </mc:AlternateContent>
+  <c:chart>
+    <c:title>
+      <c:tx>
+        <c:rich>
+          <a:bodyPr rot="0" spcFirstLastPara="1" vertOverflow="ellipsis" vert="horz" wrap="square" anchor="ctr" anchorCtr="1"/>
+          <a:lstStyle/>
+          <a:p>
+            <a:pPr>
+              <a:defRPr sz="1862" b="0" i="0" u="none" strike="noStrike" kern="1200" spc="0" baseline="0">
+                <a:solidFill>
+                  <a:schemeClr val="tx1">
+                    <a:lumMod val="65000"/>
+                    <a:lumOff val="35000"/>
+                  </a:schemeClr>
+                </a:solidFill>
+                <a:latin typeface="+mn-lt"/>
+                <a:ea typeface="+mn-ea"/>
+                <a:cs typeface="+mn-cs"/>
+              </a:defRPr>
+            </a:pPr>
+            <a:r>
+              <a:rPr lang="en-US"/>
+              <a:t>Random Detection Model Performance NN Approach</a:t>
+            </a:r>
+          </a:p>
+        </c:rich>
+      </c:tx>
+      <c:overlay val="0"/>
+      <c:spPr>
+        <a:noFill/>
+        <a:ln>
+          <a:noFill/>
+        </a:ln>
+        <a:effectLst/>
+      </c:spPr>
+      <c:txPr>
+        <a:bodyPr rot="0" spcFirstLastPara="1" vertOverflow="ellipsis" vert="horz" wrap="square" anchor="ctr" anchorCtr="1"/>
+        <a:lstStyle/>
+        <a:p>
+          <a:pPr>
+            <a:defRPr sz="1862" b="0" i="0" u="none" strike="noStrike" kern="1200" spc="0" baseline="0">
+              <a:solidFill>
+                <a:schemeClr val="tx1">
+                  <a:lumMod val="65000"/>
+                  <a:lumOff val="35000"/>
+                </a:schemeClr>
+              </a:solidFill>
+              <a:latin typeface="+mn-lt"/>
+              <a:ea typeface="+mn-ea"/>
+              <a:cs typeface="+mn-cs"/>
+            </a:defRPr>
+          </a:pPr>
+          <a:endParaRPr lang="en-US"/>
+        </a:p>
+      </c:txPr>
+    </c:title>
+    <c:autoTitleDeleted val="0"/>
+    <c:plotArea>
+      <c:layout/>
+      <c:lineChart>
+        <c:grouping val="standard"/>
+        <c:varyColors val="0"/>
+        <c:ser>
+          <c:idx val="0"/>
+          <c:order val="0"/>
+          <c:tx>
+            <c:strRef>
+              <c:f>Sheet1!$B$1</c:f>
+              <c:strCache>
+                <c:ptCount val="1"/>
+                <c:pt idx="0">
+                  <c:v>Precision</c:v>
+                </c:pt>
+              </c:strCache>
+            </c:strRef>
+          </c:tx>
+          <c:spPr>
+            <a:ln w="28575" cap="rnd">
+              <a:solidFill>
+                <a:schemeClr val="accent1"/>
+              </a:solidFill>
+              <a:round/>
+            </a:ln>
+            <a:effectLst/>
+          </c:spPr>
+          <c:marker>
+            <c:symbol val="none"/>
+          </c:marker>
+          <c:cat>
+            <c:numRef>
+              <c:f>Sheet1!$A$2:$A$10</c:f>
+              <c:numCache>
+                <c:formatCode>0%</c:formatCode>
+                <c:ptCount val="9"/>
+                <c:pt idx="0">
+                  <c:v>0.1</c:v>
+                </c:pt>
+                <c:pt idx="1">
+                  <c:v>0.2</c:v>
+                </c:pt>
+                <c:pt idx="2">
+                  <c:v>0.3</c:v>
+                </c:pt>
+                <c:pt idx="3">
+                  <c:v>0.4</c:v>
+                </c:pt>
+                <c:pt idx="4">
+                  <c:v>0.5</c:v>
+                </c:pt>
+                <c:pt idx="5">
+                  <c:v>0.6</c:v>
+                </c:pt>
+                <c:pt idx="6">
+                  <c:v>0.7</c:v>
+                </c:pt>
+                <c:pt idx="7">
+                  <c:v>0.8</c:v>
+                </c:pt>
+                <c:pt idx="8">
+                  <c:v>0.9</c:v>
+                </c:pt>
+              </c:numCache>
+            </c:numRef>
+          </c:cat>
+          <c:val>
+            <c:numRef>
+              <c:f>Sheet1!$B$2:$B$10</c:f>
+              <c:numCache>
+                <c:formatCode>0%</c:formatCode>
+                <c:ptCount val="9"/>
+                <c:pt idx="0">
+                  <c:v>0.84</c:v>
+                </c:pt>
+                <c:pt idx="1">
+                  <c:v>0.89</c:v>
+                </c:pt>
+                <c:pt idx="2">
+                  <c:v>0.92</c:v>
+                </c:pt>
+                <c:pt idx="3">
+                  <c:v>0.93</c:v>
+                </c:pt>
+                <c:pt idx="4">
+                  <c:v>0.95</c:v>
+                </c:pt>
+                <c:pt idx="5">
+                  <c:v>0.96</c:v>
+                </c:pt>
+                <c:pt idx="6">
+                  <c:v>0.97</c:v>
+                </c:pt>
+                <c:pt idx="7">
+                  <c:v>0.97</c:v>
+                </c:pt>
+                <c:pt idx="8">
+                  <c:v>0.98</c:v>
+                </c:pt>
+              </c:numCache>
+            </c:numRef>
+          </c:val>
+          <c:smooth val="0"/>
+          <c:extLst>
+            <c:ext xmlns:c16="http://schemas.microsoft.com/office/drawing/2014/chart" uri="{C3380CC4-5D6E-409C-BE32-E72D297353CC}">
+              <c16:uniqueId val="{00000000-68F4-45D7-8572-03A3465B7D54}"/>
+            </c:ext>
+          </c:extLst>
+        </c:ser>
+        <c:ser>
+          <c:idx val="1"/>
+          <c:order val="1"/>
+          <c:tx>
+            <c:strRef>
+              <c:f>Sheet1!$C$1</c:f>
+              <c:strCache>
+                <c:ptCount val="1"/>
+                <c:pt idx="0">
+                  <c:v>Recall</c:v>
+                </c:pt>
+              </c:strCache>
+            </c:strRef>
+          </c:tx>
+          <c:spPr>
+            <a:ln w="28575" cap="rnd">
+              <a:solidFill>
+                <a:schemeClr val="accent2"/>
+              </a:solidFill>
+              <a:round/>
+            </a:ln>
+            <a:effectLst/>
+          </c:spPr>
+          <c:marker>
+            <c:symbol val="none"/>
+          </c:marker>
+          <c:cat>
+            <c:numRef>
+              <c:f>Sheet1!$A$2:$A$10</c:f>
+              <c:numCache>
+                <c:formatCode>0%</c:formatCode>
+                <c:ptCount val="9"/>
+                <c:pt idx="0">
+                  <c:v>0.1</c:v>
+                </c:pt>
+                <c:pt idx="1">
+                  <c:v>0.2</c:v>
+                </c:pt>
+                <c:pt idx="2">
+                  <c:v>0.3</c:v>
+                </c:pt>
+                <c:pt idx="3">
+                  <c:v>0.4</c:v>
+                </c:pt>
+                <c:pt idx="4">
+                  <c:v>0.5</c:v>
+                </c:pt>
+                <c:pt idx="5">
+                  <c:v>0.6</c:v>
+                </c:pt>
+                <c:pt idx="6">
+                  <c:v>0.7</c:v>
+                </c:pt>
+                <c:pt idx="7">
+                  <c:v>0.8</c:v>
+                </c:pt>
+                <c:pt idx="8">
+                  <c:v>0.9</c:v>
+                </c:pt>
+              </c:numCache>
+            </c:numRef>
+          </c:cat>
+          <c:val>
+            <c:numRef>
+              <c:f>Sheet1!$C$2:$C$10</c:f>
+              <c:numCache>
+                <c:formatCode>0%</c:formatCode>
+                <c:ptCount val="9"/>
+                <c:pt idx="0">
+                  <c:v>0.99</c:v>
+                </c:pt>
+                <c:pt idx="1">
+                  <c:v>0.98</c:v>
+                </c:pt>
+                <c:pt idx="2">
+                  <c:v>0.97</c:v>
+                </c:pt>
+                <c:pt idx="3">
+                  <c:v>0.96</c:v>
+                </c:pt>
+                <c:pt idx="4">
+                  <c:v>0.95</c:v>
+                </c:pt>
+                <c:pt idx="5">
+                  <c:v>0.93</c:v>
+                </c:pt>
+                <c:pt idx="6">
+                  <c:v>0.91</c:v>
+                </c:pt>
+                <c:pt idx="7">
+                  <c:v>0.88</c:v>
+                </c:pt>
+                <c:pt idx="8">
+                  <c:v>0.81</c:v>
+                </c:pt>
+              </c:numCache>
+            </c:numRef>
+          </c:val>
+          <c:smooth val="0"/>
+          <c:extLst>
+            <c:ext xmlns:c16="http://schemas.microsoft.com/office/drawing/2014/chart" uri="{C3380CC4-5D6E-409C-BE32-E72D297353CC}">
+              <c16:uniqueId val="{00000001-68F4-45D7-8572-03A3465B7D54}"/>
+            </c:ext>
+          </c:extLst>
+        </c:ser>
+        <c:dLbls>
+          <c:showLegendKey val="0"/>
+          <c:showVal val="0"/>
+          <c:showCatName val="0"/>
+          <c:showSerName val="0"/>
+          <c:showPercent val="0"/>
+          <c:showBubbleSize val="0"/>
+        </c:dLbls>
+        <c:smooth val="0"/>
+        <c:axId val="560521496"/>
+        <c:axId val="560516904"/>
+      </c:lineChart>
+      <c:catAx>
+        <c:axId val="560521496"/>
+        <c:scaling>
+          <c:orientation val="minMax"/>
+        </c:scaling>
+        <c:delete val="0"/>
+        <c:axPos val="b"/>
+        <c:numFmt formatCode="0%" sourceLinked="1"/>
+        <c:majorTickMark val="none"/>
+        <c:minorTickMark val="none"/>
+        <c:tickLblPos val="nextTo"/>
+        <c:spPr>
+          <a:noFill/>
+          <a:ln w="9525" cap="flat" cmpd="sng" algn="ctr">
+            <a:solidFill>
+              <a:schemeClr val="tx1">
+                <a:lumMod val="15000"/>
+                <a:lumOff val="85000"/>
+              </a:schemeClr>
+            </a:solidFill>
+            <a:round/>
+          </a:ln>
+          <a:effectLst/>
+        </c:spPr>
+        <c:txPr>
+          <a:bodyPr rot="-60000000" spcFirstLastPara="1" vertOverflow="ellipsis" vert="horz" wrap="square" anchor="ctr" anchorCtr="1"/>
+          <a:lstStyle/>
+          <a:p>
+            <a:pPr>
+              <a:defRPr sz="1197" b="0" i="0" u="none" strike="noStrike" kern="1200" baseline="0">
+                <a:solidFill>
+                  <a:schemeClr val="tx1">
+                    <a:lumMod val="65000"/>
+                    <a:lumOff val="35000"/>
+                  </a:schemeClr>
+                </a:solidFill>
+                <a:latin typeface="+mn-lt"/>
+                <a:ea typeface="+mn-ea"/>
+                <a:cs typeface="+mn-cs"/>
+              </a:defRPr>
+            </a:pPr>
+            <a:endParaRPr lang="en-US"/>
+          </a:p>
+        </c:txPr>
+        <c:crossAx val="560516904"/>
+        <c:crosses val="autoZero"/>
+        <c:auto val="1"/>
+        <c:lblAlgn val="ctr"/>
+        <c:lblOffset val="100"/>
+        <c:noMultiLvlLbl val="0"/>
+      </c:catAx>
+      <c:valAx>
+        <c:axId val="560516904"/>
+        <c:scaling>
+          <c:orientation val="minMax"/>
+        </c:scaling>
+        <c:delete val="0"/>
+        <c:axPos val="l"/>
+        <c:majorGridlines>
+          <c:spPr>
+            <a:ln w="9525" cap="flat" cmpd="sng" algn="ctr">
+              <a:solidFill>
+                <a:schemeClr val="tx1">
+                  <a:lumMod val="15000"/>
+                  <a:lumOff val="85000"/>
+                </a:schemeClr>
+              </a:solidFill>
+              <a:round/>
+            </a:ln>
+            <a:effectLst/>
+          </c:spPr>
+        </c:majorGridlines>
+        <c:numFmt formatCode="0%" sourceLinked="1"/>
+        <c:majorTickMark val="none"/>
+        <c:minorTickMark val="none"/>
+        <c:tickLblPos val="nextTo"/>
+        <c:spPr>
+          <a:noFill/>
+          <a:ln>
+            <a:noFill/>
+          </a:ln>
+          <a:effectLst/>
+        </c:spPr>
+        <c:txPr>
+          <a:bodyPr rot="-60000000" spcFirstLastPara="1" vertOverflow="ellipsis" vert="horz" wrap="square" anchor="ctr" anchorCtr="1"/>
+          <a:lstStyle/>
+          <a:p>
+            <a:pPr>
+              <a:defRPr sz="1197" b="0" i="0" u="none" strike="noStrike" kern="1200" baseline="0">
+                <a:solidFill>
+                  <a:schemeClr val="tx1">
+                    <a:lumMod val="65000"/>
+                    <a:lumOff val="35000"/>
+                  </a:schemeClr>
+                </a:solidFill>
+                <a:latin typeface="+mn-lt"/>
+                <a:ea typeface="+mn-ea"/>
+                <a:cs typeface="+mn-cs"/>
+              </a:defRPr>
+            </a:pPr>
+            <a:endParaRPr lang="en-US"/>
+          </a:p>
+        </c:txPr>
+        <c:crossAx val="560521496"/>
+        <c:crosses val="autoZero"/>
+        <c:crossBetween val="between"/>
+      </c:valAx>
+      <c:spPr>
+        <a:noFill/>
+        <a:ln>
+          <a:noFill/>
+        </a:ln>
+        <a:effectLst/>
+      </c:spPr>
+    </c:plotArea>
+    <c:legend>
+      <c:legendPos val="b"/>
+      <c:overlay val="0"/>
+      <c:spPr>
+        <a:noFill/>
+        <a:ln>
+          <a:noFill/>
+        </a:ln>
+        <a:effectLst/>
+      </c:spPr>
+      <c:txPr>
+        <a:bodyPr rot="0" spcFirstLastPara="1" vertOverflow="ellipsis" vert="horz" wrap="square" anchor="ctr" anchorCtr="1"/>
+        <a:lstStyle/>
+        <a:p>
+          <a:pPr>
+            <a:defRPr sz="1197" b="0" i="0" u="none" strike="noStrike" kern="1200" baseline="0">
+              <a:solidFill>
+                <a:schemeClr val="tx1">
+                  <a:lumMod val="65000"/>
+                  <a:lumOff val="35000"/>
+                </a:schemeClr>
+              </a:solidFill>
+              <a:latin typeface="+mn-lt"/>
+              <a:ea typeface="+mn-ea"/>
+              <a:cs typeface="+mn-cs"/>
+            </a:defRPr>
+          </a:pPr>
+          <a:endParaRPr lang="en-US"/>
+        </a:p>
+      </c:txPr>
+    </c:legend>
+    <c:plotVisOnly val="1"/>
+    <c:dispBlanksAs val="gap"/>
+    <c:extLst>
+      <c:ext xmlns:c16r3="http://schemas.microsoft.com/office/drawing/2017/03/chart" uri="{56B9EC1D-385E-4148-901F-78D8002777C0}">
+        <c16r3:dataDisplayOptions16>
+          <c16r3:dispNaAsBlank val="1"/>
+        </c16r3:dataDisplayOptions16>
+      </c:ext>
+    </c:extLst>
+    <c:showDLblsOverMax val="0"/>
+  </c:chart>
+  <c:spPr>
+    <a:noFill/>
+    <a:ln>
+      <a:noFill/>
+    </a:ln>
+    <a:effectLst/>
+  </c:spPr>
+  <c:txPr>
+    <a:bodyPr/>
+    <a:lstStyle/>
+    <a:p>
+      <a:pPr>
+        <a:defRPr/>
+      </a:pPr>
+      <a:endParaRPr lang="en-US"/>
+    </a:p>
+  </c:txPr>
+  <c:externalData r:id="rId3">
+    <c:autoUpdate val="0"/>
+  </c:externalData>
+</c:chartSpace>
+</file>
+
 <file path=ppt/charts/colors1.xml><?xml version="1.0" encoding="utf-8"?>
+<cs:colorStyle xmlns:cs="http://schemas.microsoft.com/office/drawing/2012/chartStyle" xmlns:a="http://schemas.openxmlformats.org/drawingml/2006/main" meth="cycle" id="10">
+  <a:schemeClr val="accent1"/>
+  <a:schemeClr val="accent2"/>
+  <a:schemeClr val="accent3"/>
+  <a:schemeClr val="accent4"/>
+  <a:schemeClr val="accent5"/>
+  <a:schemeClr val="accent6"/>
+  <cs:variation/>
+  <cs:variation>
+    <a:lumMod val="60000"/>
+  </cs:variation>
+  <cs:variation>
+    <a:lumMod val="80000"/>
+    <a:lumOff val="20000"/>
+  </cs:variation>
+  <cs:variation>
+    <a:lumMod val="80000"/>
+  </cs:variation>
+  <cs:variation>
+    <a:lumMod val="60000"/>
+    <a:lumOff val="40000"/>
+  </cs:variation>
+  <cs:variation>
+    <a:lumMod val="50000"/>
+  </cs:variation>
+  <cs:variation>
+    <a:lumMod val="70000"/>
+    <a:lumOff val="30000"/>
+  </cs:variation>
+  <cs:variation>
+    <a:lumMod val="70000"/>
+  </cs:variation>
+  <cs:variation>
+    <a:lumMod val="50000"/>
+    <a:lumOff val="50000"/>
+  </cs:variation>
+</cs:colorStyle>
+</file>
+
+<file path=ppt/charts/colors2.xml><?xml version="1.0" encoding="utf-8"?>
 <cs:colorStyle xmlns:cs="http://schemas.microsoft.com/office/drawing/2012/chartStyle" xmlns:a="http://schemas.openxmlformats.org/drawingml/2006/main" meth="cycle" id="10">
   <a:schemeClr val="accent1"/>
   <a:schemeClr val="accent2"/>
@@ -1338,6 +1853,522 @@
 </cs:chartStyle>
 </file>
 
+<file path=ppt/charts/style2.xml><?xml version="1.0" encoding="utf-8"?>
+<cs:chartStyle xmlns:cs="http://schemas.microsoft.com/office/drawing/2012/chartStyle" xmlns:a="http://schemas.openxmlformats.org/drawingml/2006/main" id="227">
+  <cs:axisTitle>
+    <cs:lnRef idx="0"/>
+    <cs:fillRef idx="0"/>
+    <cs:effectRef idx="0"/>
+    <cs:fontRef idx="minor">
+      <a:schemeClr val="tx1">
+        <a:lumMod val="65000"/>
+        <a:lumOff val="35000"/>
+      </a:schemeClr>
+    </cs:fontRef>
+    <cs:defRPr sz="1330" kern="1200"/>
+  </cs:axisTitle>
+  <cs:categoryAxis>
+    <cs:lnRef idx="0"/>
+    <cs:fillRef idx="0"/>
+    <cs:effectRef idx="0"/>
+    <cs:fontRef idx="minor">
+      <a:schemeClr val="tx1">
+        <a:lumMod val="65000"/>
+        <a:lumOff val="35000"/>
+      </a:schemeClr>
+    </cs:fontRef>
+    <cs:spPr>
+      <a:ln w="9525" cap="flat" cmpd="sng" algn="ctr">
+        <a:solidFill>
+          <a:schemeClr val="tx1">
+            <a:lumMod val="15000"/>
+            <a:lumOff val="85000"/>
+          </a:schemeClr>
+        </a:solidFill>
+        <a:round/>
+      </a:ln>
+    </cs:spPr>
+    <cs:defRPr sz="1197" kern="1200"/>
+  </cs:categoryAxis>
+  <cs:chartArea mods="allowNoFillOverride allowNoLineOverride">
+    <cs:lnRef idx="0"/>
+    <cs:fillRef idx="0"/>
+    <cs:effectRef idx="0"/>
+    <cs:fontRef idx="minor">
+      <a:schemeClr val="tx1"/>
+    </cs:fontRef>
+    <cs:spPr>
+      <a:solidFill>
+        <a:schemeClr val="bg1"/>
+      </a:solidFill>
+      <a:ln w="9525" cap="flat" cmpd="sng" algn="ctr">
+        <a:solidFill>
+          <a:schemeClr val="tx1">
+            <a:lumMod val="15000"/>
+            <a:lumOff val="85000"/>
+          </a:schemeClr>
+        </a:solidFill>
+        <a:round/>
+      </a:ln>
+    </cs:spPr>
+    <cs:defRPr sz="1330" kern="1200"/>
+  </cs:chartArea>
+  <cs:dataLabel>
+    <cs:lnRef idx="0"/>
+    <cs:fillRef idx="0"/>
+    <cs:effectRef idx="0"/>
+    <cs:fontRef idx="minor">
+      <a:schemeClr val="tx1">
+        <a:lumMod val="75000"/>
+        <a:lumOff val="25000"/>
+      </a:schemeClr>
+    </cs:fontRef>
+    <cs:defRPr sz="1197" kern="1200"/>
+  </cs:dataLabel>
+  <cs:dataLabelCallout>
+    <cs:lnRef idx="0"/>
+    <cs:fillRef idx="0"/>
+    <cs:effectRef idx="0"/>
+    <cs:fontRef idx="minor">
+      <a:schemeClr val="dk1">
+        <a:lumMod val="65000"/>
+        <a:lumOff val="35000"/>
+      </a:schemeClr>
+    </cs:fontRef>
+    <cs:spPr>
+      <a:solidFill>
+        <a:schemeClr val="lt1"/>
+      </a:solidFill>
+      <a:ln>
+        <a:solidFill>
+          <a:schemeClr val="dk1">
+            <a:lumMod val="25000"/>
+            <a:lumOff val="75000"/>
+          </a:schemeClr>
+        </a:solidFill>
+      </a:ln>
+    </cs:spPr>
+    <cs:defRPr sz="1197" kern="1200"/>
+    <cs:bodyPr rot="0" spcFirstLastPara="1" vertOverflow="clip" horzOverflow="clip" vert="horz" wrap="square" lIns="36576" tIns="18288" rIns="36576" bIns="18288" anchor="ctr" anchorCtr="1">
+      <a:spAutoFit/>
+    </cs:bodyPr>
+  </cs:dataLabelCallout>
+  <cs:dataPoint>
+    <cs:lnRef idx="0"/>
+    <cs:fillRef idx="1">
+      <cs:styleClr val="auto"/>
+    </cs:fillRef>
+    <cs:effectRef idx="0"/>
+    <cs:fontRef idx="minor">
+      <a:schemeClr val="tx1"/>
+    </cs:fontRef>
+    <cs:spPr>
+      <a:solidFill>
+        <a:schemeClr val="phClr"/>
+      </a:solidFill>
+    </cs:spPr>
+  </cs:dataPoint>
+  <cs:dataPoint3D>
+    <cs:lnRef idx="0"/>
+    <cs:fillRef idx="1">
+      <cs:styleClr val="auto"/>
+    </cs:fillRef>
+    <cs:effectRef idx="0"/>
+    <cs:fontRef idx="minor">
+      <a:schemeClr val="tx1"/>
+    </cs:fontRef>
+    <cs:spPr>
+      <a:solidFill>
+        <a:schemeClr val="phClr"/>
+      </a:solidFill>
+    </cs:spPr>
+  </cs:dataPoint3D>
+  <cs:dataPointLine>
+    <cs:lnRef idx="0">
+      <cs:styleClr val="auto"/>
+    </cs:lnRef>
+    <cs:fillRef idx="1"/>
+    <cs:effectRef idx="0"/>
+    <cs:fontRef idx="minor">
+      <a:schemeClr val="tx1"/>
+    </cs:fontRef>
+    <cs:spPr>
+      <a:ln w="28575" cap="rnd">
+        <a:solidFill>
+          <a:schemeClr val="phClr"/>
+        </a:solidFill>
+        <a:round/>
+      </a:ln>
+    </cs:spPr>
+  </cs:dataPointLine>
+  <cs:dataPointMarker>
+    <cs:lnRef idx="0">
+      <cs:styleClr val="auto"/>
+    </cs:lnRef>
+    <cs:fillRef idx="1">
+      <cs:styleClr val="auto"/>
+    </cs:fillRef>
+    <cs:effectRef idx="0"/>
+    <cs:fontRef idx="minor">
+      <a:schemeClr val="tx1"/>
+    </cs:fontRef>
+    <cs:spPr>
+      <a:solidFill>
+        <a:schemeClr val="phClr"/>
+      </a:solidFill>
+      <a:ln w="9525">
+        <a:solidFill>
+          <a:schemeClr val="phClr"/>
+        </a:solidFill>
+      </a:ln>
+    </cs:spPr>
+  </cs:dataPointMarker>
+  <cs:dataPointMarkerLayout symbol="circle" size="5"/>
+  <cs:dataPointWireframe>
+    <cs:lnRef idx="0">
+      <cs:styleClr val="auto"/>
+    </cs:lnRef>
+    <cs:fillRef idx="1"/>
+    <cs:effectRef idx="0"/>
+    <cs:fontRef idx="minor">
+      <a:schemeClr val="tx1"/>
+    </cs:fontRef>
+    <cs:spPr>
+      <a:ln w="9525" cap="rnd">
+        <a:solidFill>
+          <a:schemeClr val="phClr"/>
+        </a:solidFill>
+        <a:round/>
+      </a:ln>
+    </cs:spPr>
+  </cs:dataPointWireframe>
+  <cs:dataTable>
+    <cs:lnRef idx="0"/>
+    <cs:fillRef idx="0"/>
+    <cs:effectRef idx="0"/>
+    <cs:fontRef idx="minor">
+      <a:schemeClr val="tx1">
+        <a:lumMod val="65000"/>
+        <a:lumOff val="35000"/>
+      </a:schemeClr>
+    </cs:fontRef>
+    <cs:spPr>
+      <a:noFill/>
+      <a:ln w="9525" cap="flat" cmpd="sng" algn="ctr">
+        <a:solidFill>
+          <a:schemeClr val="tx1">
+            <a:lumMod val="15000"/>
+            <a:lumOff val="85000"/>
+          </a:schemeClr>
+        </a:solidFill>
+        <a:round/>
+      </a:ln>
+    </cs:spPr>
+    <cs:defRPr sz="1197" kern="1200"/>
+  </cs:dataTable>
+  <cs:downBar>
+    <cs:lnRef idx="0"/>
+    <cs:fillRef idx="0"/>
+    <cs:effectRef idx="0"/>
+    <cs:fontRef idx="minor">
+      <a:schemeClr val="dk1"/>
+    </cs:fontRef>
+    <cs:spPr>
+      <a:solidFill>
+        <a:schemeClr val="dk1">
+          <a:lumMod val="65000"/>
+          <a:lumOff val="35000"/>
+        </a:schemeClr>
+      </a:solidFill>
+      <a:ln w="9525">
+        <a:solidFill>
+          <a:schemeClr val="tx1">
+            <a:lumMod val="65000"/>
+            <a:lumOff val="35000"/>
+          </a:schemeClr>
+        </a:solidFill>
+      </a:ln>
+    </cs:spPr>
+  </cs:downBar>
+  <cs:dropLine>
+    <cs:lnRef idx="0"/>
+    <cs:fillRef idx="0"/>
+    <cs:effectRef idx="0"/>
+    <cs:fontRef idx="minor">
+      <a:schemeClr val="tx1"/>
+    </cs:fontRef>
+    <cs:spPr>
+      <a:ln w="9525" cap="flat" cmpd="sng" algn="ctr">
+        <a:solidFill>
+          <a:schemeClr val="tx1">
+            <a:lumMod val="35000"/>
+            <a:lumOff val="65000"/>
+          </a:schemeClr>
+        </a:solidFill>
+        <a:round/>
+      </a:ln>
+    </cs:spPr>
+  </cs:dropLine>
+  <cs:errorBar>
+    <cs:lnRef idx="0"/>
+    <cs:fillRef idx="0"/>
+    <cs:effectRef idx="0"/>
+    <cs:fontRef idx="minor">
+      <a:schemeClr val="tx1"/>
+    </cs:fontRef>
+    <cs:spPr>
+      <a:ln w="9525" cap="flat" cmpd="sng" algn="ctr">
+        <a:solidFill>
+          <a:schemeClr val="tx1">
+            <a:lumMod val="65000"/>
+            <a:lumOff val="35000"/>
+          </a:schemeClr>
+        </a:solidFill>
+        <a:round/>
+      </a:ln>
+    </cs:spPr>
+  </cs:errorBar>
+  <cs:floor>
+    <cs:lnRef idx="0"/>
+    <cs:fillRef idx="0"/>
+    <cs:effectRef idx="0"/>
+    <cs:fontRef idx="minor">
+      <a:schemeClr val="tx1"/>
+    </cs:fontRef>
+    <cs:spPr>
+      <a:noFill/>
+      <a:ln>
+        <a:noFill/>
+      </a:ln>
+    </cs:spPr>
+  </cs:floor>
+  <cs:gridlineMajor>
+    <cs:lnRef idx="0"/>
+    <cs:fillRef idx="0"/>
+    <cs:effectRef idx="0"/>
+    <cs:fontRef idx="minor">
+      <a:schemeClr val="tx1"/>
+    </cs:fontRef>
+    <cs:spPr>
+      <a:ln w="9525" cap="flat" cmpd="sng" algn="ctr">
+        <a:solidFill>
+          <a:schemeClr val="tx1">
+            <a:lumMod val="15000"/>
+            <a:lumOff val="85000"/>
+          </a:schemeClr>
+        </a:solidFill>
+        <a:round/>
+      </a:ln>
+    </cs:spPr>
+  </cs:gridlineMajor>
+  <cs:gridlineMinor>
+    <cs:lnRef idx="0"/>
+    <cs:fillRef idx="0"/>
+    <cs:effectRef idx="0"/>
+    <cs:fontRef idx="minor">
+      <a:schemeClr val="tx1"/>
+    </cs:fontRef>
+    <cs:spPr>
+      <a:ln w="9525" cap="flat" cmpd="sng" algn="ctr">
+        <a:solidFill>
+          <a:schemeClr val="tx1">
+            <a:lumMod val="5000"/>
+            <a:lumOff val="95000"/>
+          </a:schemeClr>
+        </a:solidFill>
+        <a:round/>
+      </a:ln>
+    </cs:spPr>
+  </cs:gridlineMinor>
+  <cs:hiLoLine>
+    <cs:lnRef idx="0"/>
+    <cs:fillRef idx="0"/>
+    <cs:effectRef idx="0"/>
+    <cs:fontRef idx="minor">
+      <a:schemeClr val="tx1"/>
+    </cs:fontRef>
+    <cs:spPr>
+      <a:ln w="9525" cap="flat" cmpd="sng" algn="ctr">
+        <a:solidFill>
+          <a:schemeClr val="tx1">
+            <a:lumMod val="75000"/>
+            <a:lumOff val="25000"/>
+          </a:schemeClr>
+        </a:solidFill>
+        <a:round/>
+      </a:ln>
+    </cs:spPr>
+  </cs:hiLoLine>
+  <cs:leaderLine>
+    <cs:lnRef idx="0"/>
+    <cs:fillRef idx="0"/>
+    <cs:effectRef idx="0"/>
+    <cs:fontRef idx="minor">
+      <a:schemeClr val="tx1"/>
+    </cs:fontRef>
+    <cs:spPr>
+      <a:ln w="9525" cap="flat" cmpd="sng" algn="ctr">
+        <a:solidFill>
+          <a:schemeClr val="tx1">
+            <a:lumMod val="35000"/>
+            <a:lumOff val="65000"/>
+          </a:schemeClr>
+        </a:solidFill>
+        <a:round/>
+      </a:ln>
+    </cs:spPr>
+  </cs:leaderLine>
+  <cs:legend>
+    <cs:lnRef idx="0"/>
+    <cs:fillRef idx="0"/>
+    <cs:effectRef idx="0"/>
+    <cs:fontRef idx="minor">
+      <a:schemeClr val="tx1">
+        <a:lumMod val="65000"/>
+        <a:lumOff val="35000"/>
+      </a:schemeClr>
+    </cs:fontRef>
+    <cs:defRPr sz="1197" kern="1200"/>
+  </cs:legend>
+  <cs:plotArea mods="allowNoFillOverride allowNoLineOverride">
+    <cs:lnRef idx="0"/>
+    <cs:fillRef idx="0"/>
+    <cs:effectRef idx="0"/>
+    <cs:fontRef idx="minor">
+      <a:schemeClr val="tx1"/>
+    </cs:fontRef>
+  </cs:plotArea>
+  <cs:plotArea3D mods="allowNoFillOverride allowNoLineOverride">
+    <cs:lnRef idx="0"/>
+    <cs:fillRef idx="0"/>
+    <cs:effectRef idx="0"/>
+    <cs:fontRef idx="minor">
+      <a:schemeClr val="tx1"/>
+    </cs:fontRef>
+  </cs:plotArea3D>
+  <cs:seriesAxis>
+    <cs:lnRef idx="0"/>
+    <cs:fillRef idx="0"/>
+    <cs:effectRef idx="0"/>
+    <cs:fontRef idx="minor">
+      <a:schemeClr val="tx1">
+        <a:lumMod val="65000"/>
+        <a:lumOff val="35000"/>
+      </a:schemeClr>
+    </cs:fontRef>
+    <cs:defRPr sz="1197" kern="1200"/>
+  </cs:seriesAxis>
+  <cs:seriesLine>
+    <cs:lnRef idx="0"/>
+    <cs:fillRef idx="0"/>
+    <cs:effectRef idx="0"/>
+    <cs:fontRef idx="minor">
+      <a:schemeClr val="tx1"/>
+    </cs:fontRef>
+    <cs:spPr>
+      <a:ln w="9525" cap="flat" cmpd="sng" algn="ctr">
+        <a:solidFill>
+          <a:schemeClr val="tx1">
+            <a:lumMod val="35000"/>
+            <a:lumOff val="65000"/>
+          </a:schemeClr>
+        </a:solidFill>
+        <a:round/>
+      </a:ln>
+    </cs:spPr>
+  </cs:seriesLine>
+  <cs:title>
+    <cs:lnRef idx="0"/>
+    <cs:fillRef idx="0"/>
+    <cs:effectRef idx="0"/>
+    <cs:fontRef idx="minor">
+      <a:schemeClr val="tx1">
+        <a:lumMod val="65000"/>
+        <a:lumOff val="35000"/>
+      </a:schemeClr>
+    </cs:fontRef>
+    <cs:defRPr sz="1862" b="0" kern="1200" spc="0" baseline="0"/>
+  </cs:title>
+  <cs:trendline>
+    <cs:lnRef idx="0">
+      <cs:styleClr val="auto"/>
+    </cs:lnRef>
+    <cs:fillRef idx="0"/>
+    <cs:effectRef idx="0"/>
+    <cs:fontRef idx="minor">
+      <a:schemeClr val="tx1"/>
+    </cs:fontRef>
+    <cs:spPr>
+      <a:ln w="19050" cap="rnd">
+        <a:solidFill>
+          <a:schemeClr val="phClr"/>
+        </a:solidFill>
+        <a:prstDash val="sysDot"/>
+      </a:ln>
+    </cs:spPr>
+  </cs:trendline>
+  <cs:trendlineLabel>
+    <cs:lnRef idx="0"/>
+    <cs:fillRef idx="0"/>
+    <cs:effectRef idx="0"/>
+    <cs:fontRef idx="minor">
+      <a:schemeClr val="tx1">
+        <a:lumMod val="65000"/>
+        <a:lumOff val="35000"/>
+      </a:schemeClr>
+    </cs:fontRef>
+    <cs:defRPr sz="1197" kern="1200"/>
+  </cs:trendlineLabel>
+  <cs:upBar>
+    <cs:lnRef idx="0"/>
+    <cs:fillRef idx="0"/>
+    <cs:effectRef idx="0"/>
+    <cs:fontRef idx="minor">
+      <a:schemeClr val="dk1"/>
+    </cs:fontRef>
+    <cs:spPr>
+      <a:solidFill>
+        <a:schemeClr val="lt1"/>
+      </a:solidFill>
+      <a:ln w="9525">
+        <a:solidFill>
+          <a:schemeClr val="tx1">
+            <a:lumMod val="15000"/>
+            <a:lumOff val="85000"/>
+          </a:schemeClr>
+        </a:solidFill>
+      </a:ln>
+    </cs:spPr>
+  </cs:upBar>
+  <cs:valueAxis>
+    <cs:lnRef idx="0"/>
+    <cs:fillRef idx="0"/>
+    <cs:effectRef idx="0"/>
+    <cs:fontRef idx="minor">
+      <a:schemeClr val="tx1">
+        <a:lumMod val="65000"/>
+        <a:lumOff val="35000"/>
+      </a:schemeClr>
+    </cs:fontRef>
+    <cs:defRPr sz="1197" kern="1200"/>
+  </cs:valueAxis>
+  <cs:wall>
+    <cs:lnRef idx="0"/>
+    <cs:fillRef idx="0"/>
+    <cs:effectRef idx="0"/>
+    <cs:fontRef idx="minor">
+      <a:schemeClr val="tx1"/>
+    </cs:fontRef>
+    <cs:spPr>
+      <a:noFill/>
+      <a:ln>
+        <a:noFill/>
+      </a:ln>
+    </cs:spPr>
+  </cs:wall>
+</cs:chartStyle>
+</file>
+
 <file path=ppt/slideLayouts/slideLayout1.xml><?xml version="1.0" encoding="utf-8"?>
 <p:sldLayout xmlns:a="http://schemas.openxmlformats.org/drawingml/2006/main" xmlns:r="http://schemas.openxmlformats.org/officeDocument/2006/relationships" xmlns:p="http://schemas.openxmlformats.org/presentationml/2006/main" type="title" preserve="1">
   <p:cSld name="Title Slide">
@@ -1402,7 +2433,7 @@
           </a:lstStyle>
           <a:p>
             <a:r>
-              <a:rPr lang="en-US" smtClean="0"/>
+              <a:rPr lang="en-US"/>
               <a:t>Click to edit Master title style</a:t>
             </a:r>
             <a:endParaRPr lang="en-US" dirty="0"/>
@@ -1477,7 +2508,7 @@
           </a:lstStyle>
           <a:p>
             <a:r>
-              <a:rPr lang="en-US" smtClean="0"/>
+              <a:rPr lang="en-US"/>
               <a:t>Click to edit Master subtitle style</a:t>
             </a:r>
             <a:endParaRPr lang="en-US" dirty="0"/>
@@ -1501,7 +2532,7 @@
           <a:p>
             <a:fld id="{76BEC20F-A837-48EC-AB6D-CE39EF838C7A}" type="datetimeFigureOut">
               <a:rPr lang="en-US" smtClean="0"/>
-              <a:t>3/18/2018</a:t>
+              <a:t>3/21/2018</a:t>
             </a:fld>
             <a:endParaRPr lang="en-US"/>
           </a:p>
@@ -1595,7 +2626,7 @@
           <a:lstStyle/>
           <a:p>
             <a:r>
-              <a:rPr lang="en-US" smtClean="0"/>
+              <a:rPr lang="en-US"/>
               <a:t>Click to edit Master title style</a:t>
             </a:r>
             <a:endParaRPr lang="en-US" dirty="0"/>
@@ -1619,35 +2650,35 @@
           <a:p>
             <a:pPr lvl="0"/>
             <a:r>
-              <a:rPr lang="en-US" smtClean="0"/>
+              <a:rPr lang="en-US"/>
               <a:t>Edit Master text styles</a:t>
             </a:r>
           </a:p>
           <a:p>
             <a:pPr lvl="1"/>
             <a:r>
-              <a:rPr lang="en-US" smtClean="0"/>
+              <a:rPr lang="en-US"/>
               <a:t>Second level</a:t>
             </a:r>
           </a:p>
           <a:p>
             <a:pPr lvl="2"/>
             <a:r>
-              <a:rPr lang="en-US" smtClean="0"/>
+              <a:rPr lang="en-US"/>
               <a:t>Third level</a:t>
             </a:r>
           </a:p>
           <a:p>
             <a:pPr lvl="3"/>
             <a:r>
-              <a:rPr lang="en-US" smtClean="0"/>
+              <a:rPr lang="en-US"/>
               <a:t>Fourth level</a:t>
             </a:r>
           </a:p>
           <a:p>
             <a:pPr lvl="4"/>
             <a:r>
-              <a:rPr lang="en-US" smtClean="0"/>
+              <a:rPr lang="en-US"/>
               <a:t>Fifth level</a:t>
             </a:r>
             <a:endParaRPr lang="en-US" dirty="0"/>
@@ -1671,7 +2702,7 @@
           <a:p>
             <a:fld id="{76BEC20F-A837-48EC-AB6D-CE39EF838C7A}" type="datetimeFigureOut">
               <a:rPr lang="en-US" smtClean="0"/>
-              <a:t>3/18/2018</a:t>
+              <a:t>3/21/2018</a:t>
             </a:fld>
             <a:endParaRPr lang="en-US"/>
           </a:p>
@@ -1770,7 +2801,7 @@
           <a:lstStyle/>
           <a:p>
             <a:r>
-              <a:rPr lang="en-US" smtClean="0"/>
+              <a:rPr lang="en-US"/>
               <a:t>Click to edit Master title style</a:t>
             </a:r>
             <a:endParaRPr lang="en-US" dirty="0"/>
@@ -1799,35 +2830,35 @@
           <a:p>
             <a:pPr lvl="0"/>
             <a:r>
-              <a:rPr lang="en-US" smtClean="0"/>
+              <a:rPr lang="en-US"/>
               <a:t>Edit Master text styles</a:t>
             </a:r>
           </a:p>
           <a:p>
             <a:pPr lvl="1"/>
             <a:r>
-              <a:rPr lang="en-US" smtClean="0"/>
+              <a:rPr lang="en-US"/>
               <a:t>Second level</a:t>
             </a:r>
           </a:p>
           <a:p>
             <a:pPr lvl="2"/>
             <a:r>
-              <a:rPr lang="en-US" smtClean="0"/>
+              <a:rPr lang="en-US"/>
               <a:t>Third level</a:t>
             </a:r>
           </a:p>
           <a:p>
             <a:pPr lvl="3"/>
             <a:r>
-              <a:rPr lang="en-US" smtClean="0"/>
+              <a:rPr lang="en-US"/>
               <a:t>Fourth level</a:t>
             </a:r>
           </a:p>
           <a:p>
             <a:pPr lvl="4"/>
             <a:r>
-              <a:rPr lang="en-US" smtClean="0"/>
+              <a:rPr lang="en-US"/>
               <a:t>Fifth level</a:t>
             </a:r>
             <a:endParaRPr lang="en-US" dirty="0"/>
@@ -1851,7 +2882,7 @@
           <a:p>
             <a:fld id="{76BEC20F-A837-48EC-AB6D-CE39EF838C7A}" type="datetimeFigureOut">
               <a:rPr lang="en-US" smtClean="0"/>
-              <a:t>3/18/2018</a:t>
+              <a:t>3/21/2018</a:t>
             </a:fld>
             <a:endParaRPr lang="en-US"/>
           </a:p>
@@ -1945,7 +2976,7 @@
           <a:lstStyle/>
           <a:p>
             <a:r>
-              <a:rPr lang="en-US" smtClean="0"/>
+              <a:rPr lang="en-US"/>
               <a:t>Click to edit Master title style</a:t>
             </a:r>
             <a:endParaRPr lang="en-US" dirty="0"/>
@@ -1969,35 +3000,35 @@
           <a:p>
             <a:pPr lvl="0"/>
             <a:r>
-              <a:rPr lang="en-US" smtClean="0"/>
+              <a:rPr lang="en-US"/>
               <a:t>Edit Master text styles</a:t>
             </a:r>
           </a:p>
           <a:p>
             <a:pPr lvl="1"/>
             <a:r>
-              <a:rPr lang="en-US" smtClean="0"/>
+              <a:rPr lang="en-US"/>
               <a:t>Second level</a:t>
             </a:r>
           </a:p>
           <a:p>
             <a:pPr lvl="2"/>
             <a:r>
-              <a:rPr lang="en-US" smtClean="0"/>
+              <a:rPr lang="en-US"/>
               <a:t>Third level</a:t>
             </a:r>
           </a:p>
           <a:p>
             <a:pPr lvl="3"/>
             <a:r>
-              <a:rPr lang="en-US" smtClean="0"/>
+              <a:rPr lang="en-US"/>
               <a:t>Fourth level</a:t>
             </a:r>
           </a:p>
           <a:p>
             <a:pPr lvl="4"/>
             <a:r>
-              <a:rPr lang="en-US" smtClean="0"/>
+              <a:rPr lang="en-US"/>
               <a:t>Fifth level</a:t>
             </a:r>
             <a:endParaRPr lang="en-US" dirty="0"/>
@@ -2021,7 +3052,7 @@
           <a:p>
             <a:fld id="{76BEC20F-A837-48EC-AB6D-CE39EF838C7A}" type="datetimeFigureOut">
               <a:rPr lang="en-US" smtClean="0"/>
-              <a:t>3/18/2018</a:t>
+              <a:t>3/21/2018</a:t>
             </a:fld>
             <a:endParaRPr lang="en-US"/>
           </a:p>
@@ -2146,7 +3177,7 @@
           </a:lstStyle>
           <a:p>
             <a:r>
-              <a:rPr lang="en-US" smtClean="0"/>
+              <a:rPr lang="en-US"/>
               <a:t>Click to edit Master title style</a:t>
             </a:r>
             <a:endParaRPr lang="en-US" dirty="0"/>
@@ -2266,7 +3297,7 @@
           <a:p>
             <a:pPr lvl="0"/>
             <a:r>
-              <a:rPr lang="en-US" smtClean="0"/>
+              <a:rPr lang="en-US"/>
               <a:t>Edit Master text styles</a:t>
             </a:r>
           </a:p>
@@ -2289,7 +3320,7 @@
           <a:p>
             <a:fld id="{76BEC20F-A837-48EC-AB6D-CE39EF838C7A}" type="datetimeFigureOut">
               <a:rPr lang="en-US" smtClean="0"/>
-              <a:t>3/18/2018</a:t>
+              <a:t>3/21/2018</a:t>
             </a:fld>
             <a:endParaRPr lang="en-US"/>
           </a:p>
@@ -2383,7 +3414,7 @@
           <a:lstStyle/>
           <a:p>
             <a:r>
-              <a:rPr lang="en-US" smtClean="0"/>
+              <a:rPr lang="en-US"/>
               <a:t>Click to edit Master title style</a:t>
             </a:r>
             <a:endParaRPr lang="en-US" dirty="0"/>
@@ -2412,35 +3443,35 @@
           <a:p>
             <a:pPr lvl="0"/>
             <a:r>
-              <a:rPr lang="en-US" smtClean="0"/>
+              <a:rPr lang="en-US"/>
               <a:t>Edit Master text styles</a:t>
             </a:r>
           </a:p>
           <a:p>
             <a:pPr lvl="1"/>
             <a:r>
-              <a:rPr lang="en-US" smtClean="0"/>
+              <a:rPr lang="en-US"/>
               <a:t>Second level</a:t>
             </a:r>
           </a:p>
           <a:p>
             <a:pPr lvl="2"/>
             <a:r>
-              <a:rPr lang="en-US" smtClean="0"/>
+              <a:rPr lang="en-US"/>
               <a:t>Third level</a:t>
             </a:r>
           </a:p>
           <a:p>
             <a:pPr lvl="3"/>
             <a:r>
-              <a:rPr lang="en-US" smtClean="0"/>
+              <a:rPr lang="en-US"/>
               <a:t>Fourth level</a:t>
             </a:r>
           </a:p>
           <a:p>
             <a:pPr lvl="4"/>
             <a:r>
-              <a:rPr lang="en-US" smtClean="0"/>
+              <a:rPr lang="en-US"/>
               <a:t>Fifth level</a:t>
             </a:r>
             <a:endParaRPr lang="en-US" dirty="0"/>
@@ -2469,35 +3500,35 @@
           <a:p>
             <a:pPr lvl="0"/>
             <a:r>
-              <a:rPr lang="en-US" smtClean="0"/>
+              <a:rPr lang="en-US"/>
               <a:t>Edit Master text styles</a:t>
             </a:r>
           </a:p>
           <a:p>
             <a:pPr lvl="1"/>
             <a:r>
-              <a:rPr lang="en-US" smtClean="0"/>
+              <a:rPr lang="en-US"/>
               <a:t>Second level</a:t>
             </a:r>
           </a:p>
           <a:p>
             <a:pPr lvl="2"/>
             <a:r>
-              <a:rPr lang="en-US" smtClean="0"/>
+              <a:rPr lang="en-US"/>
               <a:t>Third level</a:t>
             </a:r>
           </a:p>
           <a:p>
             <a:pPr lvl="3"/>
             <a:r>
-              <a:rPr lang="en-US" smtClean="0"/>
+              <a:rPr lang="en-US"/>
               <a:t>Fourth level</a:t>
             </a:r>
           </a:p>
           <a:p>
             <a:pPr lvl="4"/>
             <a:r>
-              <a:rPr lang="en-US" smtClean="0"/>
+              <a:rPr lang="en-US"/>
               <a:t>Fifth level</a:t>
             </a:r>
             <a:endParaRPr lang="en-US" dirty="0"/>
@@ -2521,7 +3552,7 @@
           <a:p>
             <a:fld id="{76BEC20F-A837-48EC-AB6D-CE39EF838C7A}" type="datetimeFigureOut">
               <a:rPr lang="en-US" smtClean="0"/>
-              <a:t>3/18/2018</a:t>
+              <a:t>3/21/2018</a:t>
             </a:fld>
             <a:endParaRPr lang="en-US"/>
           </a:p>
@@ -2666,7 +3697,7 @@
           <a:p>
             <a:pPr lvl="0"/>
             <a:r>
-              <a:rPr lang="en-US" smtClean="0"/>
+              <a:rPr lang="en-US"/>
               <a:t>Edit Master text styles</a:t>
             </a:r>
           </a:p>
@@ -2694,35 +3725,35 @@
           <a:p>
             <a:pPr lvl="0"/>
             <a:r>
-              <a:rPr lang="en-US" smtClean="0"/>
+              <a:rPr lang="en-US"/>
               <a:t>Edit Master text styles</a:t>
             </a:r>
           </a:p>
           <a:p>
             <a:pPr lvl="1"/>
             <a:r>
-              <a:rPr lang="en-US" smtClean="0"/>
+              <a:rPr lang="en-US"/>
               <a:t>Second level</a:t>
             </a:r>
           </a:p>
           <a:p>
             <a:pPr lvl="2"/>
             <a:r>
-              <a:rPr lang="en-US" smtClean="0"/>
+              <a:rPr lang="en-US"/>
               <a:t>Third level</a:t>
             </a:r>
           </a:p>
           <a:p>
             <a:pPr lvl="3"/>
             <a:r>
-              <a:rPr lang="en-US" smtClean="0"/>
+              <a:rPr lang="en-US"/>
               <a:t>Fourth level</a:t>
             </a:r>
           </a:p>
           <a:p>
             <a:pPr lvl="4"/>
             <a:r>
-              <a:rPr lang="en-US" smtClean="0"/>
+              <a:rPr lang="en-US"/>
               <a:t>Fifth level</a:t>
             </a:r>
             <a:endParaRPr lang="en-US" dirty="0"/>
@@ -2755,35 +3786,35 @@
           <a:p>
             <a:pPr lvl="0"/>
             <a:r>
-              <a:rPr lang="en-US" smtClean="0"/>
+              <a:rPr lang="en-US"/>
               <a:t>Edit Master text styles</a:t>
             </a:r>
           </a:p>
           <a:p>
             <a:pPr lvl="1"/>
             <a:r>
-              <a:rPr lang="en-US" smtClean="0"/>
+              <a:rPr lang="en-US"/>
               <a:t>Second level</a:t>
             </a:r>
           </a:p>
           <a:p>
             <a:pPr lvl="2"/>
             <a:r>
-              <a:rPr lang="en-US" smtClean="0"/>
+              <a:rPr lang="en-US"/>
               <a:t>Third level</a:t>
             </a:r>
           </a:p>
           <a:p>
             <a:pPr lvl="3"/>
             <a:r>
-              <a:rPr lang="en-US" smtClean="0"/>
+              <a:rPr lang="en-US"/>
               <a:t>Fourth level</a:t>
             </a:r>
           </a:p>
           <a:p>
             <a:pPr lvl="4"/>
             <a:r>
-              <a:rPr lang="en-US" smtClean="0"/>
+              <a:rPr lang="en-US"/>
               <a:t>Fifth level</a:t>
             </a:r>
             <a:endParaRPr lang="en-US" dirty="0"/>
@@ -2857,7 +3888,7 @@
           <a:p>
             <a:pPr lvl="0"/>
             <a:r>
-              <a:rPr lang="en-US" smtClean="0"/>
+              <a:rPr lang="en-US"/>
               <a:t>Edit Master text styles</a:t>
             </a:r>
           </a:p>
@@ -2880,7 +3911,7 @@
           <a:p>
             <a:fld id="{76BEC20F-A837-48EC-AB6D-CE39EF838C7A}" type="datetimeFigureOut">
               <a:rPr lang="en-US" smtClean="0"/>
-              <a:t>3/18/2018</a:t>
+              <a:t>3/21/2018</a:t>
             </a:fld>
             <a:endParaRPr lang="en-US"/>
           </a:p>
@@ -2944,7 +3975,7 @@
           <a:lstStyle/>
           <a:p>
             <a:r>
-              <a:rPr lang="en-US" smtClean="0"/>
+              <a:rPr lang="en-US"/>
               <a:t>Click to edit Master title style</a:t>
             </a:r>
             <a:endParaRPr lang="en-US" dirty="0"/>
@@ -2997,7 +4028,7 @@
           <a:lstStyle/>
           <a:p>
             <a:r>
-              <a:rPr lang="en-US" smtClean="0"/>
+              <a:rPr lang="en-US"/>
               <a:t>Click to edit Master title style</a:t>
             </a:r>
             <a:endParaRPr lang="en-US" dirty="0"/>
@@ -3021,7 +4052,7 @@
           <a:p>
             <a:fld id="{76BEC20F-A837-48EC-AB6D-CE39EF838C7A}" type="datetimeFigureOut">
               <a:rPr lang="en-US" smtClean="0"/>
-              <a:t>3/18/2018</a:t>
+              <a:t>3/21/2018</a:t>
             </a:fld>
             <a:endParaRPr lang="en-US"/>
           </a:p>
@@ -3116,7 +4147,7 @@
           <a:p>
             <a:fld id="{76BEC20F-A837-48EC-AB6D-CE39EF838C7A}" type="datetimeFigureOut">
               <a:rPr lang="en-US" smtClean="0"/>
-              <a:t>3/18/2018</a:t>
+              <a:t>3/21/2018</a:t>
             </a:fld>
             <a:endParaRPr lang="en-US"/>
           </a:p>
@@ -3271,7 +4302,7 @@
           </a:lstStyle>
           <a:p>
             <a:r>
-              <a:rPr lang="en-US" smtClean="0"/>
+              <a:rPr lang="en-US"/>
               <a:t>Click to edit Master title style</a:t>
             </a:r>
             <a:endParaRPr lang="en-US" dirty="0"/>
@@ -3350,35 +4381,35 @@
           <a:p>
             <a:pPr lvl="0"/>
             <a:r>
-              <a:rPr lang="en-US" smtClean="0"/>
+              <a:rPr lang="en-US"/>
               <a:t>Edit Master text styles</a:t>
             </a:r>
           </a:p>
           <a:p>
             <a:pPr lvl="1"/>
             <a:r>
-              <a:rPr lang="en-US" smtClean="0"/>
+              <a:rPr lang="en-US"/>
               <a:t>Second level</a:t>
             </a:r>
           </a:p>
           <a:p>
             <a:pPr lvl="2"/>
             <a:r>
-              <a:rPr lang="en-US" smtClean="0"/>
+              <a:rPr lang="en-US"/>
               <a:t>Third level</a:t>
             </a:r>
           </a:p>
           <a:p>
             <a:pPr lvl="3"/>
             <a:r>
-              <a:rPr lang="en-US" smtClean="0"/>
+              <a:rPr lang="en-US"/>
               <a:t>Fourth level</a:t>
             </a:r>
           </a:p>
           <a:p>
             <a:pPr lvl="4"/>
             <a:r>
-              <a:rPr lang="en-US" smtClean="0"/>
+              <a:rPr lang="en-US"/>
               <a:t>Fifth level</a:t>
             </a:r>
             <a:endParaRPr lang="en-US" dirty="0"/>
@@ -3450,7 +4481,7 @@
           <a:p>
             <a:pPr lvl="0"/>
             <a:r>
-              <a:rPr lang="en-US" smtClean="0"/>
+              <a:rPr lang="en-US"/>
               <a:t>Edit Master text styles</a:t>
             </a:r>
           </a:p>
@@ -3473,7 +4504,7 @@
           <a:p>
             <a:fld id="{76BEC20F-A837-48EC-AB6D-CE39EF838C7A}" type="datetimeFigureOut">
               <a:rPr lang="en-US" smtClean="0"/>
-              <a:t>3/18/2018</a:t>
+              <a:t>3/21/2018</a:t>
             </a:fld>
             <a:endParaRPr lang="en-US"/>
           </a:p>
@@ -3643,7 +4674,7 @@
           </a:lstStyle>
           <a:p>
             <a:r>
-              <a:rPr lang="en-US" smtClean="0"/>
+              <a:rPr lang="en-US"/>
               <a:t>Click to edit Master title style</a:t>
             </a:r>
             <a:endParaRPr lang="en-US" dirty="0"/>
@@ -3720,7 +4751,7 @@
           </a:lstStyle>
           <a:p>
             <a:r>
-              <a:rPr lang="en-US" smtClean="0"/>
+              <a:rPr lang="en-US"/>
               <a:t>Click icon to add picture</a:t>
             </a:r>
             <a:endParaRPr lang="en-US" dirty="0"/>
@@ -3792,7 +4823,7 @@
           <a:p>
             <a:pPr lvl="0"/>
             <a:r>
-              <a:rPr lang="en-US" smtClean="0"/>
+              <a:rPr lang="en-US"/>
               <a:t>Edit Master text styles</a:t>
             </a:r>
           </a:p>
@@ -3830,7 +4861,7 @@
           <a:p>
             <a:fld id="{76BEC20F-A837-48EC-AB6D-CE39EF838C7A}" type="datetimeFigureOut">
               <a:rPr lang="en-US" smtClean="0"/>
-              <a:t>3/18/2018</a:t>
+              <a:t>3/21/2018</a:t>
             </a:fld>
             <a:endParaRPr lang="en-US"/>
           </a:p>
@@ -3968,7 +4999,7 @@
           <a:lstStyle/>
           <a:p>
             <a:r>
-              <a:rPr lang="en-US" smtClean="0"/>
+              <a:rPr lang="en-US"/>
               <a:t>Click to edit Master title style</a:t>
             </a:r>
             <a:endParaRPr lang="en-US" dirty="0"/>
@@ -4071,7 +5102,7 @@
           <a:p>
             <a:fld id="{76BEC20F-A837-48EC-AB6D-CE39EF838C7A}" type="datetimeFigureOut">
               <a:rPr lang="en-US" smtClean="0"/>
-              <a:t>3/18/2018</a:t>
+              <a:t>3/21/2018</a:t>
             </a:fld>
             <a:endParaRPr lang="en-US"/>
           </a:p>
@@ -4539,10 +5570,9 @@
           <a:lstStyle/>
           <a:p>
             <a:r>
-              <a:rPr lang="en-US" dirty="0" smtClean="0"/>
+              <a:rPr lang="en-US" dirty="0"/>
               <a:t>Deep learning</a:t>
             </a:r>
-            <a:endParaRPr lang="en-US" dirty="0"/>
           </a:p>
         </p:txBody>
       </p:sp>
@@ -4564,31 +5594,30 @@
           <a:lstStyle/>
           <a:p>
             <a:r>
-              <a:rPr lang="en-US" dirty="0" err="1" smtClean="0"/>
+              <a:rPr lang="en-US" dirty="0" err="1"/>
               <a:t>Azran</a:t>
             </a:r>
             <a:r>
-              <a:rPr lang="en-US" dirty="0" smtClean="0"/>
+              <a:rPr lang="en-US" dirty="0"/>
               <a:t> Adi &amp; Bercovich Yuval</a:t>
             </a:r>
           </a:p>
           <a:p>
             <a:r>
-              <a:rPr lang="en-US" dirty="0" smtClean="0"/>
+              <a:rPr lang="en-US" dirty="0"/>
               <a:t>Academic college of Tel Aviv </a:t>
             </a:r>
             <a:r>
-              <a:rPr lang="en-US" dirty="0" err="1" smtClean="0"/>
+              <a:rPr lang="en-US" dirty="0" err="1"/>
               <a:t>Yaffo</a:t>
             </a:r>
-            <a:endParaRPr lang="en-US" dirty="0" smtClean="0"/>
-          </a:p>
-          <a:p>
-            <a:r>
-              <a:rPr lang="en-US" dirty="0" smtClean="0"/>
+            <a:endParaRPr lang="en-US" dirty="0"/>
+          </a:p>
+          <a:p>
+            <a:r>
+              <a:rPr lang="en-US" dirty="0"/>
               <a:t>March 2018</a:t>
             </a:r>
-            <a:endParaRPr lang="en-US" dirty="0"/>
           </a:p>
         </p:txBody>
       </p:sp>
@@ -4602,13 +5631,6 @@
   <p:clrMapOvr>
     <a:masterClrMapping/>
   </p:clrMapOvr>
-  <p:timing>
-    <p:tnLst>
-      <p:par>
-        <p:cTn id="1" dur="indefinite" restart="never" nodeType="tmRoot"/>
-      </p:par>
-    </p:tnLst>
-  </p:timing>
 </p:sld>
 </file>
 
@@ -4645,10 +5667,9 @@
           <a:lstStyle/>
           <a:p>
             <a:r>
-              <a:rPr lang="en-US" dirty="0" smtClean="0"/>
+              <a:rPr lang="en-US" dirty="0"/>
               <a:t>Pros</a:t>
             </a:r>
-            <a:endParaRPr lang="en-US" dirty="0"/>
           </a:p>
         </p:txBody>
       </p:sp>
@@ -4668,19 +5689,19 @@
           <a:lstStyle/>
           <a:p>
             <a:r>
-              <a:rPr lang="en-US" dirty="0" smtClean="0"/>
+              <a:rPr lang="en-US" dirty="0"/>
               <a:t>Easy to explain and repeat</a:t>
             </a:r>
           </a:p>
           <a:p>
             <a:r>
-              <a:rPr lang="en-US" dirty="0" smtClean="0"/>
+              <a:rPr lang="en-US" dirty="0"/>
               <a:t>Good domain knowledge can get better solution</a:t>
             </a:r>
           </a:p>
           <a:p>
             <a:r>
-              <a:rPr lang="en-US" dirty="0" smtClean="0"/>
+              <a:rPr lang="en-US" dirty="0"/>
               <a:t>Good Performance</a:t>
             </a:r>
           </a:p>
@@ -4705,18 +5726,18 @@
           <a:lstStyle/>
           <a:p>
             <a:r>
-              <a:rPr lang="en-US" dirty="0" smtClean="0"/>
+              <a:rPr lang="en-US" dirty="0"/>
               <a:t>Requires a lot of IO operations (Lookups)</a:t>
             </a:r>
           </a:p>
           <a:p>
             <a:r>
-              <a:rPr lang="en-US" dirty="0" smtClean="0"/>
+              <a:rPr lang="en-US" dirty="0"/>
               <a:t>Difficult to implement in NRT solutions</a:t>
             </a:r>
           </a:p>
           <a:p>
-            <a:endParaRPr lang="en-US" dirty="0" smtClean="0"/>
+            <a:endParaRPr lang="en-US" dirty="0"/>
           </a:p>
           <a:p>
             <a:endParaRPr lang="en-US" dirty="0"/>
@@ -4739,10 +5760,9 @@
           <a:lstStyle/>
           <a:p>
             <a:r>
-              <a:rPr lang="en-US" dirty="0" smtClean="0"/>
+              <a:rPr lang="en-US" dirty="0"/>
               <a:t>Cons</a:t>
             </a:r>
-            <a:endParaRPr lang="en-US" dirty="0"/>
           </a:p>
         </p:txBody>
       </p:sp>
@@ -4762,10 +5782,9 @@
           <a:lstStyle/>
           <a:p>
             <a:r>
-              <a:rPr lang="en-US" dirty="0" smtClean="0"/>
+              <a:rPr lang="en-US" dirty="0"/>
               <a:t>Pros and Cons</a:t>
             </a:r>
-            <a:endParaRPr lang="en-US" dirty="0"/>
           </a:p>
         </p:txBody>
       </p:sp>
@@ -4815,10 +5834,9 @@
           <a:lstStyle/>
           <a:p>
             <a:r>
-              <a:rPr lang="en-US" dirty="0" smtClean="0"/>
+              <a:rPr lang="en-US" dirty="0"/>
               <a:t>Basic Deep Learning</a:t>
             </a:r>
-            <a:endParaRPr lang="en-US" dirty="0"/>
           </a:p>
         </p:txBody>
       </p:sp>
@@ -4840,14 +5858,14 @@
           <a:lstStyle/>
           <a:p>
             <a:r>
-              <a:rPr lang="en-US" dirty="0" smtClean="0"/>
+              <a:rPr lang="en-US" dirty="0"/>
               <a:t>Idea:</a:t>
             </a:r>
           </a:p>
           <a:p>
             <a:pPr lvl="1"/>
             <a:r>
-              <a:rPr lang="en-US" dirty="0" smtClean="0"/>
+              <a:rPr lang="en-US" dirty="0"/>
               <a:t>User DNN to infer dependencies between characters</a:t>
             </a:r>
           </a:p>
@@ -4857,38 +5875,38 @@
           </a:p>
           <a:p>
             <a:r>
-              <a:rPr lang="en-US" dirty="0" smtClean="0"/>
+              <a:rPr lang="en-US" dirty="0"/>
               <a:t>Simple implementation:</a:t>
             </a:r>
           </a:p>
           <a:p>
             <a:pPr lvl="1"/>
             <a:r>
-              <a:rPr lang="en-US" dirty="0" smtClean="0"/>
+              <a:rPr lang="en-US" dirty="0"/>
               <a:t>Translate any letter in alphabet to a number – for example asci code</a:t>
             </a:r>
           </a:p>
           <a:p>
             <a:pPr lvl="1"/>
-            <a:endParaRPr lang="en-US" dirty="0" smtClean="0"/>
-          </a:p>
-          <a:p>
-            <a:r>
-              <a:rPr lang="en-US" dirty="0" smtClean="0"/>
+            <a:endParaRPr lang="en-US" dirty="0"/>
+          </a:p>
+          <a:p>
+            <a:r>
+              <a:rPr lang="en-US" dirty="0"/>
               <a:t>Problems? A lot…</a:t>
             </a:r>
           </a:p>
           <a:p>
             <a:pPr lvl="1"/>
             <a:r>
-              <a:rPr lang="en-US" dirty="0" smtClean="0"/>
+              <a:rPr lang="en-US" dirty="0"/>
               <a:t>ASCII code does not infer magnitude, only order – ‘b’ is not twice as strong as ‘a’</a:t>
             </a:r>
           </a:p>
           <a:p>
             <a:pPr lvl="1"/>
             <a:r>
-              <a:rPr lang="en-US" dirty="0" smtClean="0"/>
+              <a:rPr lang="en-US" dirty="0"/>
               <a:t>‘A’ and ‘a’ have different values (64 vs 97)</a:t>
             </a:r>
           </a:p>
@@ -4940,10 +5958,9 @@
           <a:lstStyle/>
           <a:p>
             <a:r>
-              <a:rPr lang="en-US" dirty="0" smtClean="0"/>
+              <a:rPr lang="en-US" dirty="0"/>
               <a:t>Enhancement I</a:t>
             </a:r>
-            <a:endParaRPr lang="en-US" dirty="0"/>
           </a:p>
         </p:txBody>
       </p:sp>
@@ -4963,43 +5980,35 @@
           <a:lstStyle/>
           <a:p>
             <a:r>
-              <a:rPr lang="en-US" dirty="0" smtClean="0"/>
+              <a:rPr lang="en-US" dirty="0"/>
               <a:t>Instead of ASCII code or other mapping, use statistical importance:</a:t>
             </a:r>
           </a:p>
           <a:p>
             <a:pPr lvl="1"/>
             <a:r>
-              <a:rPr lang="en-US" dirty="0" smtClean="0"/>
+              <a:rPr lang="en-US" dirty="0"/>
               <a:t>For each letter in the alphabet, calculate its percentage from the total </a:t>
             </a:r>
             <a:r>
-              <a:rPr lang="en-US" dirty="0" err="1" smtClean="0"/>
+              <a:rPr lang="en-US" dirty="0" err="1"/>
               <a:t>appearences</a:t>
             </a:r>
             <a:r>
-              <a:rPr lang="en-US" dirty="0" smtClean="0"/>
+              <a:rPr lang="en-US" dirty="0"/>
               <a:t> of all characters</a:t>
             </a:r>
           </a:p>
           <a:p>
             <a:pPr lvl="1"/>
             <a:r>
-              <a:rPr lang="en-US" dirty="0" smtClean="0"/>
-              <a:t>Instead of string ‘Steven’, use array: [0.002, 0.001, 0.035, 0.0001,</a:t>
-            </a:r>
-            <a:r>
-              <a:rPr lang="en-US" dirty="0"/>
-              <a:t> </a:t>
-            </a:r>
-            <a:r>
-              <a:rPr lang="en-US" dirty="0" smtClean="0"/>
-              <a:t>0.035, 0.004]</a:t>
-            </a:r>
-          </a:p>
-          <a:p>
-            <a:r>
-              <a:rPr lang="en-US" dirty="0" smtClean="0"/>
+              <a:rPr lang="en-US" dirty="0"/>
+              <a:t>Instead of string ‘Steven’, use array: [0.002, 0.001, 0.035, 0.0001, 0.035, 0.004]</a:t>
+            </a:r>
+          </a:p>
+          <a:p>
+            <a:r>
+              <a:rPr lang="en-US" dirty="0"/>
               <a:t>Infers strength</a:t>
             </a:r>
           </a:p>
@@ -5051,10 +6060,9 @@
           <a:lstStyle/>
           <a:p>
             <a:r>
-              <a:rPr lang="en-US" dirty="0" smtClean="0"/>
+              <a:rPr lang="en-US" dirty="0"/>
               <a:t>Model of DNN</a:t>
             </a:r>
-            <a:endParaRPr lang="en-US" dirty="0"/>
           </a:p>
         </p:txBody>
       </p:sp>
@@ -5074,63 +6082,62 @@
           <a:lstStyle/>
           <a:p>
             <a:r>
-              <a:rPr lang="en-US" dirty="0" smtClean="0"/>
+              <a:rPr lang="en-US" dirty="0"/>
               <a:t>Each word is cut or padded to 21 letters</a:t>
             </a:r>
           </a:p>
           <a:p>
             <a:r>
-              <a:rPr lang="en-US" dirty="0" smtClean="0"/>
+              <a:rPr lang="en-US" dirty="0"/>
               <a:t>Every word is transformed to float array </a:t>
             </a:r>
           </a:p>
           <a:p>
             <a:r>
-              <a:rPr lang="en-US" dirty="0" smtClean="0"/>
+              <a:rPr lang="en-US" dirty="0"/>
               <a:t>Each item in array is percentage of character </a:t>
             </a:r>
             <a:r>
-              <a:rPr lang="en-US" dirty="0" err="1" smtClean="0"/>
+              <a:rPr lang="en-US" dirty="0" err="1"/>
               <a:t>appearences</a:t>
             </a:r>
             <a:r>
-              <a:rPr lang="en-US" dirty="0" smtClean="0"/>
+              <a:rPr lang="en-US" dirty="0"/>
               <a:t> in population</a:t>
             </a:r>
           </a:p>
           <a:p>
             <a:r>
-              <a:rPr lang="en-US" dirty="0" smtClean="0"/>
+              <a:rPr lang="en-US" dirty="0"/>
               <a:t>Model has 3 fully connected layers:</a:t>
             </a:r>
           </a:p>
           <a:p>
             <a:pPr lvl="1"/>
             <a:r>
-              <a:rPr lang="en-US" dirty="0" smtClean="0"/>
+              <a:rPr lang="en-US" dirty="0"/>
               <a:t>Input is 21 neurons</a:t>
             </a:r>
           </a:p>
           <a:p>
             <a:pPr lvl="1"/>
             <a:r>
-              <a:rPr lang="en-US" dirty="0" smtClean="0"/>
+              <a:rPr lang="en-US" dirty="0"/>
               <a:t>2 Hidden layers with 20 neurons</a:t>
             </a:r>
           </a:p>
           <a:p>
             <a:pPr lvl="1"/>
             <a:r>
-              <a:rPr lang="en-US" dirty="0" smtClean="0"/>
+              <a:rPr lang="en-US" dirty="0"/>
               <a:t>Output is 2</a:t>
             </a:r>
           </a:p>
           <a:p>
             <a:r>
-              <a:rPr lang="en-US" dirty="0" smtClean="0"/>
+              <a:rPr lang="en-US" dirty="0"/>
               <a:t>Optimizer is SGD, with Mean Squared Error  as loss function</a:t>
             </a:r>
-            <a:endParaRPr lang="en-US" dirty="0"/>
           </a:p>
         </p:txBody>
       </p:sp>
@@ -5180,10 +6187,9 @@
           <a:lstStyle/>
           <a:p>
             <a:r>
-              <a:rPr lang="en-US" dirty="0" smtClean="0"/>
+              <a:rPr lang="en-US" dirty="0"/>
               <a:t>Enhancement II</a:t>
             </a:r>
-            <a:endParaRPr lang="en-US" dirty="0"/>
           </a:p>
         </p:txBody>
       </p:sp>
@@ -5205,97 +6211,82 @@
           <a:lstStyle/>
           <a:p>
             <a:r>
-              <a:rPr lang="en-US" dirty="0" smtClean="0"/>
+              <a:rPr lang="en-US" dirty="0"/>
               <a:t>Although the problem seems to be categorical, we can “convert” it to a continues problem:</a:t>
             </a:r>
           </a:p>
           <a:p>
             <a:pPr lvl="1"/>
             <a:r>
-              <a:rPr lang="en-US" dirty="0" smtClean="0"/>
+              <a:rPr lang="en-US" dirty="0"/>
               <a:t>Instead of categorizing data points to 1 or 0</a:t>
             </a:r>
           </a:p>
           <a:p>
             <a:pPr lvl="1"/>
             <a:r>
-              <a:rPr lang="en-US" dirty="0" smtClean="0"/>
+              <a:rPr lang="en-US" dirty="0"/>
               <a:t>Give a number of how similar we are to 0 or 1</a:t>
             </a:r>
+          </a:p>
+          <a:p>
+            <a:r>
+              <a:rPr lang="en-US" dirty="0"/>
+              <a:t>Now we can set the cut off point </a:t>
+            </a:r>
+            <a:r>
+              <a:rPr lang="en-US" dirty="0" err="1"/>
+              <a:t>ourself</a:t>
+            </a:r>
+            <a:r>
+              <a:rPr lang="en-US" dirty="0"/>
+              <a:t> (and not just using </a:t>
+            </a:r>
+            <a:r>
+              <a:rPr lang="en-US" dirty="0" err="1"/>
+              <a:t>argmax</a:t>
+            </a:r>
+            <a:r>
+              <a:rPr lang="en-US" dirty="0"/>
+              <a:t> or if score &gt; 0.5</a:t>
+            </a:r>
+          </a:p>
+          <a:p>
+            <a:r>
+              <a:rPr lang="en-US" dirty="0"/>
+              <a:t>Convert the network to:</a:t>
+            </a:r>
+          </a:p>
+          <a:p>
+            <a:pPr lvl="1"/>
+            <a:r>
+              <a:rPr lang="en-US" dirty="0"/>
+              <a:t>Model has 3 fully connected layers:</a:t>
+            </a:r>
+          </a:p>
+          <a:p>
+            <a:pPr lvl="2"/>
+            <a:r>
+              <a:rPr lang="en-US" dirty="0"/>
+              <a:t>Input is 21 neurons</a:t>
+            </a:r>
+          </a:p>
+          <a:p>
+            <a:pPr lvl="2"/>
+            <a:r>
+              <a:rPr lang="en-US" dirty="0"/>
+              <a:t>2 Hidden layers with 20 neurons</a:t>
+            </a:r>
+          </a:p>
+          <a:p>
+            <a:pPr lvl="2"/>
+            <a:r>
+              <a:rPr lang="en-US" dirty="0"/>
+              <a:t>Output is 1 neuron</a:t>
+            </a:r>
+          </a:p>
+          <a:p>
             <a:endParaRPr lang="en-US" dirty="0"/>
-          </a:p>
-          <a:p>
-            <a:r>
-              <a:rPr lang="en-US" dirty="0" smtClean="0"/>
-              <a:t>Now we can set the cut off point </a:t>
-            </a:r>
-            <a:r>
-              <a:rPr lang="en-US" dirty="0" err="1" smtClean="0"/>
-              <a:t>ourself</a:t>
-            </a:r>
-            <a:r>
-              <a:rPr lang="en-US" dirty="0" smtClean="0"/>
-              <a:t> (and not just using </a:t>
-            </a:r>
-            <a:r>
-              <a:rPr lang="en-US" dirty="0" err="1" smtClean="0"/>
-              <a:t>argmax</a:t>
-            </a:r>
-            <a:r>
-              <a:rPr lang="en-US" dirty="0" smtClean="0"/>
-              <a:t> or if score &gt; 0.5</a:t>
-            </a:r>
-            <a:endParaRPr lang="en-US" dirty="0"/>
-          </a:p>
-          <a:p>
-            <a:r>
-              <a:rPr lang="en-US" dirty="0" smtClean="0"/>
-              <a:t>Convert the network to:</a:t>
-            </a:r>
-          </a:p>
-          <a:p>
-            <a:pPr lvl="1"/>
-            <a:r>
-              <a:rPr lang="en-US" dirty="0"/>
-              <a:t>Model has </a:t>
-            </a:r>
-            <a:r>
-              <a:rPr lang="en-US" dirty="0" smtClean="0"/>
-              <a:t>3 </a:t>
-            </a:r>
-            <a:r>
-              <a:rPr lang="en-US" dirty="0"/>
-              <a:t>fully connected layers:</a:t>
-            </a:r>
-          </a:p>
-          <a:p>
-            <a:pPr lvl="2"/>
-            <a:r>
-              <a:rPr lang="en-US" dirty="0"/>
-              <a:t>Input is 21 neurons</a:t>
-            </a:r>
-          </a:p>
-          <a:p>
-            <a:pPr lvl="2"/>
-            <a:r>
-              <a:rPr lang="en-US" dirty="0"/>
-              <a:t>2 Hidden layers with 20 neurons</a:t>
-            </a:r>
-          </a:p>
-          <a:p>
-            <a:pPr lvl="2"/>
-            <a:r>
-              <a:rPr lang="en-US" dirty="0"/>
-              <a:t>Output is </a:t>
-            </a:r>
-            <a:r>
-              <a:rPr lang="en-US" dirty="0" smtClean="0"/>
-              <a:t>1 neuron</a:t>
-            </a:r>
-            <a:endParaRPr lang="en-US" dirty="0"/>
-          </a:p>
-          <a:p>
-            <a:endParaRPr lang="en-US" dirty="0" smtClean="0"/>
           </a:p>
         </p:txBody>
       </p:sp>
@@ -5345,16 +6336,51 @@
           <a:lstStyle/>
           <a:p>
             <a:r>
-              <a:rPr lang="en-US" dirty="0" smtClean="0"/>
+              <a:rPr lang="en-US" dirty="0"/>
               <a:t>Performance</a:t>
             </a:r>
-            <a:endParaRPr lang="en-US" dirty="0"/>
-          </a:p>
-        </p:txBody>
-      </p:sp>
-      <p:sp>
-        <p:nvSpPr>
-          <p:cNvPr id="3" name="Content Placeholder 2"/>
+          </a:p>
+        </p:txBody>
+      </p:sp>
+      <p:graphicFrame>
+        <p:nvGraphicFramePr>
+          <p:cNvPr id="6" name="Content Placeholder 8" title="Random Detection Model Performance NN Approach">
+            <a:extLst>
+              <a:ext uri="{FF2B5EF4-FFF2-40B4-BE49-F238E27FC236}">
+                <a16:creationId xmlns:a16="http://schemas.microsoft.com/office/drawing/2014/main" id="{C7F94DBB-9DDD-4AE2-AB36-A9D63E4F8E64}"/>
+              </a:ext>
+            </a:extLst>
+          </p:cNvPr>
+          <p:cNvGraphicFramePr>
+            <a:graphicFrameLocks/>
+          </p:cNvGraphicFramePr>
+          <p:nvPr>
+            <p:extLst>
+              <p:ext uri="{D42A27DB-BD31-4B8C-83A1-F6EECF244321}">
+                <p14:modId xmlns:p14="http://schemas.microsoft.com/office/powerpoint/2010/main" val="1647465837"/>
+              </p:ext>
+            </p:extLst>
+          </p:nvPr>
+        </p:nvGraphicFramePr>
+        <p:xfrm>
+          <a:off x="2231137" y="2628000"/>
+          <a:ext cx="7808506" cy="3259847"/>
+        </p:xfrm>
+        <a:graphic>
+          <a:graphicData uri="http://schemas.openxmlformats.org/drawingml/2006/chart">
+            <c:chart xmlns:c="http://schemas.openxmlformats.org/drawingml/2006/chart" xmlns:r="http://schemas.openxmlformats.org/officeDocument/2006/relationships" r:id="rId2"/>
+          </a:graphicData>
+        </a:graphic>
+      </p:graphicFrame>
+      <p:sp>
+        <p:nvSpPr>
+          <p:cNvPr id="9" name="Content Placeholder 8">
+            <a:extLst>
+              <a:ext uri="{FF2B5EF4-FFF2-40B4-BE49-F238E27FC236}">
+                <a16:creationId xmlns:a16="http://schemas.microsoft.com/office/drawing/2014/main" id="{921F4170-8419-4C55-9AB1-C74B64FE6439}"/>
+              </a:ext>
+            </a:extLst>
+          </p:cNvPr>
           <p:cNvSpPr>
             <a:spLocks noGrp="1"/>
           </p:cNvSpPr>
@@ -5364,106 +6390,12 @@
         </p:nvSpPr>
         <p:spPr/>
         <p:txBody>
-          <a:bodyPr>
-            <a:normAutofit fontScale="85000" lnSpcReduction="10000"/>
-          </a:bodyPr>
+          <a:bodyPr/>
           <a:lstStyle/>
           <a:p>
-            <a:r>
-              <a:rPr lang="en-US" dirty="0"/>
-              <a:t>cutoff:  0.1  PR:  0.84121205726144  RE:  0.9922006264390466  AC:  0.9024559729511087</a:t>
-            </a:r>
-          </a:p>
-          <a:p>
-            <a:r>
-              <a:rPr lang="en-US" dirty="0"/>
-              <a:t>cutoff:  0.2  PR:  0.8955130868300789  RE:  0.9836545043456616  AC:  0.9344417017569333</a:t>
-            </a:r>
-          </a:p>
-          <a:p>
-            <a:r>
-              <a:rPr lang="en-US" dirty="0"/>
-              <a:t>cutoff:  0.3  PR:  0.9226647300135434  RE:  0.975066896222697  AC:  0.9466697089755025</a:t>
-            </a:r>
-          </a:p>
-          <a:p>
-            <a:r>
-              <a:rPr lang="en-US" dirty="0"/>
-              <a:t>cutoff:  0.4  PR:  0.9393437657748612  RE:  0.964985791034869  AC:  0.9513368873032007</a:t>
-            </a:r>
-          </a:p>
-          <a:p>
-            <a:r>
-              <a:rPr lang="en-US" dirty="0"/>
-              <a:t>cutoff:  0.5  PR:  0.951789006981996  RE:  0.9529340994420129  AC:  0.9523325520131096</a:t>
-            </a:r>
-          </a:p>
-          <a:p>
-            <a:r>
-              <a:rPr lang="en-US" dirty="0"/>
-              <a:t>cutoff:  0.6  PR:  0.9624417143952136  RE:  0.9376464975419527  AC:  0.9505279097263997</a:t>
-            </a:r>
-          </a:p>
-          <a:p>
-            <a:r>
-              <a:rPr lang="en-US" dirty="0"/>
-              <a:t>cutoff:  0.7  PR:  0.9714040983066482  RE:  0.9174428011367172  AC:  0.9452176979402186</a:t>
-            </a:r>
-          </a:p>
-          <a:p>
-            <a:r>
-              <a:rPr lang="en-US" dirty="0"/>
-              <a:t>cutoff:  0.8  PR:  0.9790261140942678  RE:  0.8849799829907279  AC:  0.9330104337364392</a:t>
-            </a:r>
-          </a:p>
-          <a:p>
-            <a:r>
-              <a:rPr lang="en-US" dirty="0"/>
-              <a:t>cutoff:  0.9  PR:  0.9861890916382595  RE:  0.8161339169034828  AC:  0.9023522578771599</a:t>
-            </a:r>
-          </a:p>
-        </p:txBody>
-      </p:sp>
-      <p:sp>
-        <p:nvSpPr>
-          <p:cNvPr id="4" name="Oval 3"/>
-          <p:cNvSpPr/>
-          <p:nvPr/>
-        </p:nvSpPr>
-        <p:spPr>
-          <a:xfrm>
-            <a:off x="1177159" y="964692"/>
-            <a:ext cx="3452648" cy="606605"/>
-          </a:xfrm>
-          <a:prstGeom prst="ellipse">
-            <a:avLst/>
-          </a:prstGeom>
-        </p:spPr>
-        <p:style>
-          <a:lnRef idx="2">
-            <a:schemeClr val="accent1">
-              <a:shade val="50000"/>
-            </a:schemeClr>
-          </a:lnRef>
-          <a:fillRef idx="1">
-            <a:schemeClr val="accent1"/>
-          </a:fillRef>
-          <a:effectRef idx="0">
-            <a:schemeClr val="accent1"/>
-          </a:effectRef>
-          <a:fontRef idx="minor">
-            <a:schemeClr val="lt1"/>
-          </a:fontRef>
-        </p:style>
-        <p:txBody>
-          <a:bodyPr rtlCol="0" anchor="ctr"/>
-          <a:lstStyle/>
-          <a:p>
-            <a:pPr algn="ctr"/>
-            <a:r>
-              <a:rPr lang="en-US" dirty="0" smtClean="0"/>
-              <a:t>This should be a graph…</a:t>
-            </a:r>
+            <a:pPr marL="0" indent="0">
+              <a:buNone/>
+            </a:pPr>
             <a:endParaRPr lang="en-US" dirty="0"/>
           </a:p>
         </p:txBody>
@@ -5514,10 +6446,9 @@
           <a:lstStyle/>
           <a:p>
             <a:r>
-              <a:rPr lang="en-US" dirty="0" smtClean="0"/>
+              <a:rPr lang="en-US" dirty="0"/>
               <a:t>Agenda</a:t>
             </a:r>
-            <a:endParaRPr lang="en-US" dirty="0"/>
           </a:p>
         </p:txBody>
       </p:sp>
@@ -5537,31 +6468,31 @@
           <a:lstStyle/>
           <a:p>
             <a:r>
-              <a:rPr lang="en-US" dirty="0" smtClean="0"/>
+              <a:rPr lang="en-US" dirty="0"/>
               <a:t>The problem at hands and why to go to deep learning</a:t>
             </a:r>
           </a:p>
           <a:p>
             <a:r>
-              <a:rPr lang="en-US" dirty="0" smtClean="0"/>
+              <a:rPr lang="en-US" dirty="0"/>
               <a:t>Baseline – Naïve, non deep learning approach</a:t>
             </a:r>
           </a:p>
           <a:p>
             <a:r>
-              <a:rPr lang="en-US" dirty="0" smtClean="0"/>
+              <a:rPr lang="en-US" dirty="0"/>
               <a:t>Naïve deep learning approach</a:t>
             </a:r>
           </a:p>
           <a:p>
             <a:r>
-              <a:rPr lang="en-US" dirty="0" smtClean="0"/>
+              <a:rPr lang="en-US" dirty="0"/>
               <a:t>Better solutions</a:t>
             </a:r>
           </a:p>
           <a:p>
             <a:r>
-              <a:rPr lang="en-US" dirty="0" smtClean="0"/>
+              <a:rPr lang="en-US" dirty="0"/>
               <a:t>summary</a:t>
             </a:r>
           </a:p>
@@ -5580,13 +6511,6 @@
   <p:clrMapOvr>
     <a:masterClrMapping/>
   </p:clrMapOvr>
-  <p:timing>
-    <p:tnLst>
-      <p:par>
-        <p:cTn id="1" dur="indefinite" restart="never" nodeType="tmRoot"/>
-      </p:par>
-    </p:tnLst>
-  </p:timing>
 </p:sld>
 </file>
 
@@ -5623,10 +6547,9 @@
           <a:lstStyle/>
           <a:p>
             <a:r>
-              <a:rPr lang="en-US" dirty="0" smtClean="0"/>
+              <a:rPr lang="en-US" dirty="0"/>
               <a:t>Evolution of fraud</a:t>
             </a:r>
-            <a:endParaRPr lang="en-US" dirty="0"/>
           </a:p>
         </p:txBody>
       </p:sp>
@@ -5653,34 +6576,34 @@
           <a:lstStyle/>
           <a:p>
             <a:r>
-              <a:rPr lang="en-US" dirty="0" smtClean="0"/>
+              <a:rPr lang="en-US" dirty="0"/>
               <a:t>Companies demand information from the users in order to access to its services.</a:t>
             </a:r>
             <a:br>
-              <a:rPr lang="en-US" dirty="0" smtClean="0"/>
+              <a:rPr lang="en-US" dirty="0"/>
             </a:br>
-            <a:endParaRPr lang="en-US" dirty="0" smtClean="0"/>
-          </a:p>
-          <a:p>
-            <a:r>
-              <a:rPr lang="en-US" dirty="0" smtClean="0"/>
+            <a:endParaRPr lang="en-US" dirty="0"/>
+          </a:p>
+          <a:p>
+            <a:r>
+              <a:rPr lang="en-US" dirty="0"/>
               <a:t>Companies make an effort to ensure that the information gained from user is not fabricated: the email address is valid, the address makes sense, etc.</a:t>
             </a:r>
           </a:p>
           <a:p>
             <a:r>
-              <a:rPr lang="en-US" dirty="0" smtClean="0"/>
+              <a:rPr lang="en-US" dirty="0"/>
               <a:t>Companies checks if a single value is an outlier in its “velocity” of hitting their systems.</a:t>
             </a:r>
           </a:p>
           <a:p>
             <a:r>
-              <a:rPr lang="en-US" dirty="0" smtClean="0"/>
+              <a:rPr lang="en-US" dirty="0"/>
               <a:t>Companies “waste time” by targeting specific attacks/</a:t>
             </a:r>
           </a:p>
           <a:p>
-            <a:endParaRPr lang="en-US" dirty="0" smtClean="0"/>
+            <a:endParaRPr lang="en-US" dirty="0"/>
           </a:p>
           <a:p>
             <a:endParaRPr lang="en-US" dirty="0"/>
@@ -5706,41 +6629,28 @@
           <a:p>
             <a:r>
               <a:rPr lang="en-US" dirty="0"/>
-              <a:t>Fraudsters want to fraudulently gain access to such services</a:t>
-            </a:r>
-            <a:r>
-              <a:rPr lang="en-US" dirty="0" smtClean="0"/>
-              <a:t>.</a:t>
+              <a:t>Fraudsters want to fraudulently gain access to such services.</a:t>
             </a:r>
             <a:br>
-              <a:rPr lang="en-US" dirty="0" smtClean="0"/>
-            </a:br>
-            <a:endParaRPr lang="en-US" dirty="0" smtClean="0"/>
-          </a:p>
-          <a:p>
-            <a:r>
-              <a:rPr lang="en-US" dirty="0" smtClean="0"/>
-              <a:t>Fraudsters write scripts that generates valid information, and send it to the companies.</a:t>
-            </a:r>
-            <a:br>
-              <a:rPr lang="en-US" dirty="0" smtClean="0"/>
+              <a:rPr lang="en-US" dirty="0"/>
             </a:br>
             <a:endParaRPr lang="en-US" dirty="0"/>
           </a:p>
           <a:p>
             <a:r>
-              <a:rPr lang="en-US" dirty="0" smtClean="0"/>
-              <a:t>Fraudsters change the scripts to </a:t>
-            </a:r>
-            <a:r>
-              <a:rPr lang="en-US" dirty="0"/>
-              <a:t>randomly </a:t>
-            </a:r>
-            <a:r>
-              <a:rPr lang="en-US" dirty="0" smtClean="0"/>
-              <a:t>generate acceptable values.</a:t>
-            </a:r>
+              <a:rPr lang="en-US" dirty="0"/>
+              <a:t>Fraudsters write scripts that generates valid information, and send it to the companies.</a:t>
+            </a:r>
+            <a:br>
+              <a:rPr lang="en-US" dirty="0"/>
+            </a:br>
             <a:endParaRPr lang="en-US" dirty="0"/>
+          </a:p>
+          <a:p>
+            <a:r>
+              <a:rPr lang="en-US" dirty="0"/>
+              <a:t>Fraudsters change the scripts to randomly generate acceptable values.</a:t>
+            </a:r>
           </a:p>
         </p:txBody>
       </p:sp>
@@ -6065,10 +6975,9 @@
           <a:lstStyle/>
           <a:p>
             <a:r>
-              <a:rPr lang="en-US" dirty="0" smtClean="0"/>
+              <a:rPr lang="en-US" dirty="0"/>
               <a:t>Description of Acceptable solution</a:t>
             </a:r>
-            <a:endParaRPr lang="en-US" dirty="0"/>
           </a:p>
         </p:txBody>
       </p:sp>
@@ -6088,36 +6997,20 @@
           <a:lstStyle/>
           <a:p>
             <a:r>
-              <a:rPr lang="en-US" dirty="0" smtClean="0"/>
-              <a:t>Identify randomly generated strings with high </a:t>
-            </a:r>
-            <a:r>
-              <a:rPr lang="en-US" dirty="0"/>
-              <a:t>precision and </a:t>
-            </a:r>
-            <a:r>
-              <a:rPr lang="en-US" dirty="0" smtClean="0"/>
-              <a:t>recall. </a:t>
-            </a:r>
-          </a:p>
-          <a:p>
-            <a:r>
-              <a:rPr lang="en-US" dirty="0" smtClean="0"/>
+              <a:rPr lang="en-US" dirty="0"/>
+              <a:t>Identify randomly generated strings with high precision and recall. </a:t>
+            </a:r>
+          </a:p>
+          <a:p>
+            <a:r>
+              <a:rPr lang="en-US" dirty="0"/>
               <a:t>Solution must be simple enough to be implemented in NRT solution</a:t>
             </a:r>
           </a:p>
           <a:p>
             <a:r>
-              <a:rPr lang="en-US" dirty="0" smtClean="0"/>
-              <a:t>Solution should require as little </a:t>
-            </a:r>
-            <a:r>
-              <a:rPr lang="en-US" dirty="0"/>
-              <a:t>IO actions </a:t>
-            </a:r>
-            <a:r>
-              <a:rPr lang="en-US" dirty="0" smtClean="0"/>
-              <a:t>as possible</a:t>
+              <a:rPr lang="en-US" dirty="0"/>
+              <a:t>Solution should require as little IO actions as possible</a:t>
             </a:r>
           </a:p>
         </p:txBody>
@@ -6132,13 +7025,6 @@
   <p:clrMapOvr>
     <a:masterClrMapping/>
   </p:clrMapOvr>
-  <p:timing>
-    <p:tnLst>
-      <p:par>
-        <p:cTn id="1" dur="indefinite" restart="never" nodeType="tmRoot"/>
-      </p:par>
-    </p:tnLst>
-  </p:timing>
 </p:sld>
 </file>
 
@@ -6175,10 +7061,9 @@
           <a:lstStyle/>
           <a:p>
             <a:r>
-              <a:rPr lang="en-US" dirty="0" smtClean="0"/>
+              <a:rPr lang="en-US" dirty="0"/>
               <a:t>Examples</a:t>
             </a:r>
-            <a:endParaRPr lang="en-US" dirty="0"/>
           </a:p>
         </p:txBody>
       </p:sp>
@@ -6198,29 +7083,29 @@
           <a:lstStyle/>
           <a:p>
             <a:r>
-              <a:rPr lang="en-US" dirty="0" smtClean="0"/>
+              <a:rPr lang="en-US" dirty="0"/>
               <a:t>Address:</a:t>
             </a:r>
           </a:p>
           <a:p>
             <a:pPr lvl="1"/>
             <a:r>
-              <a:rPr lang="en-US" dirty="0" err="1" smtClean="0"/>
+              <a:rPr lang="en-US" dirty="0" err="1"/>
               <a:t>Jabotinsky</a:t>
             </a:r>
             <a:r>
-              <a:rPr lang="en-US" dirty="0" smtClean="0"/>
+              <a:rPr lang="en-US" dirty="0"/>
               <a:t> vs. </a:t>
             </a:r>
             <a:r>
-              <a:rPr lang="en-US" dirty="0" err="1" smtClean="0"/>
+              <a:rPr lang="en-US" dirty="0" err="1"/>
               <a:t>dsjasdneh</a:t>
             </a:r>
-            <a:endParaRPr lang="en-US" dirty="0" smtClean="0"/>
-          </a:p>
-          <a:p>
-            <a:r>
-              <a:rPr lang="en-US" dirty="0" smtClean="0"/>
+            <a:endParaRPr lang="en-US" dirty="0"/>
+          </a:p>
+          <a:p>
+            <a:r>
+              <a:rPr lang="en-US" dirty="0"/>
               <a:t>MAC Address:</a:t>
             </a:r>
           </a:p>
@@ -6228,61 +7113,57 @@
             <a:pPr lvl="1"/>
             <a:r>
               <a:rPr lang="en-US" dirty="0"/>
-              <a:t>3C:D9:2B:DC:CA:F1 vs </a:t>
-            </a:r>
-            <a:r>
-              <a:rPr lang="en-US" dirty="0" smtClean="0"/>
-              <a:t>3C:DD:FF:DC:CA:F1</a:t>
-            </a:r>
-          </a:p>
-          <a:p>
-            <a:r>
-              <a:rPr lang="en-US" dirty="0" smtClean="0"/>
+              <a:t>3C:D9:2B:DC:CA:F1 vs 3C:DD:FF:DC:CA:F1</a:t>
+            </a:r>
+          </a:p>
+          <a:p>
+            <a:r>
+              <a:rPr lang="en-US" dirty="0"/>
               <a:t>Device name:</a:t>
             </a:r>
           </a:p>
           <a:p>
             <a:pPr lvl="1"/>
             <a:r>
-              <a:rPr lang="en-US" dirty="0" smtClean="0"/>
+              <a:rPr lang="en-US" dirty="0"/>
               <a:t>Joe’s </a:t>
             </a:r>
             <a:r>
-              <a:rPr lang="en-US" dirty="0" err="1" smtClean="0"/>
+              <a:rPr lang="en-US" dirty="0" err="1"/>
               <a:t>Iphone</a:t>
             </a:r>
             <a:r>
-              <a:rPr lang="en-US" dirty="0" smtClean="0"/>
+              <a:rPr lang="en-US" dirty="0"/>
               <a:t> vs </a:t>
             </a:r>
             <a:r>
-              <a:rPr lang="en-US" dirty="0" err="1" smtClean="0"/>
+              <a:rPr lang="en-US" dirty="0" err="1"/>
               <a:t>jgdyem’s</a:t>
             </a:r>
             <a:r>
-              <a:rPr lang="en-US" dirty="0" smtClean="0"/>
+              <a:rPr lang="en-US" dirty="0"/>
               <a:t> </a:t>
             </a:r>
             <a:r>
-              <a:rPr lang="en-US" dirty="0" err="1" smtClean="0"/>
+              <a:rPr lang="en-US" dirty="0" err="1"/>
               <a:t>Iphone</a:t>
             </a:r>
-            <a:endParaRPr lang="en-US" dirty="0" smtClean="0"/>
-          </a:p>
-          <a:p>
-            <a:r>
-              <a:rPr lang="en-US" dirty="0" err="1" smtClean="0"/>
+            <a:endParaRPr lang="en-US" dirty="0"/>
+          </a:p>
+          <a:p>
+            <a:r>
+              <a:rPr lang="en-US" dirty="0" err="1"/>
               <a:t>Wifi</a:t>
             </a:r>
             <a:r>
-              <a:rPr lang="en-US" dirty="0" smtClean="0"/>
+              <a:rPr lang="en-US" dirty="0"/>
               <a:t> Name:</a:t>
             </a:r>
           </a:p>
           <a:p>
             <a:pPr lvl="1"/>
             <a:r>
-              <a:rPr lang="en-US" dirty="0" smtClean="0"/>
+              <a:rPr lang="en-US" dirty="0"/>
               <a:t>BEZEQINT-2AC9 vs dearfd-234fed</a:t>
             </a:r>
           </a:p>
@@ -6298,13 +7179,6 @@
   <p:clrMapOvr>
     <a:masterClrMapping/>
   </p:clrMapOvr>
-  <p:timing>
-    <p:tnLst>
-      <p:par>
-        <p:cTn id="1" dur="indefinite" restart="never" nodeType="tmRoot"/>
-      </p:par>
-    </p:tnLst>
-  </p:timing>
 </p:sld>
 </file>
 
@@ -6341,10 +7215,9 @@
           <a:lstStyle/>
           <a:p>
             <a:r>
-              <a:rPr lang="en-US" dirty="0" smtClean="0"/>
+              <a:rPr lang="en-US" dirty="0"/>
               <a:t>This work</a:t>
             </a:r>
-            <a:endParaRPr lang="en-US" dirty="0"/>
           </a:p>
         </p:txBody>
       </p:sp>
@@ -6364,40 +7237,47 @@
           <a:lstStyle/>
           <a:p>
             <a:r>
-              <a:rPr lang="en-US" dirty="0" smtClean="0"/>
+              <a:rPr lang="en-US" dirty="0"/>
               <a:t>We are going to work on street names in the US. </a:t>
             </a:r>
           </a:p>
           <a:p>
             <a:r>
-              <a:rPr lang="en-US" dirty="0" smtClean="0"/>
-              <a:t>We got the information from XXXXX</a:t>
-            </a:r>
-          </a:p>
-          <a:p>
-            <a:r>
-              <a:rPr lang="en-US" dirty="0" smtClean="0"/>
+              <a:rPr lang="en-US" dirty="0"/>
+              <a:t>We got the information from: </a:t>
+            </a:r>
+            <a:r>
+              <a:rPr lang="en-US" dirty="0">
+                <a:hlinkClick r:id="rId2" tooltip="https://inventwithpython.com/blog/2011/09/28/list-of-street-names-list-of-last-names/"/>
+              </a:rPr>
+              <a:t>https://inventwithpython.com/blog/2011/09/28/list-of-street-names-list-of-last-names/</a:t>
+            </a:r>
+            <a:endParaRPr lang="en-US" dirty="0"/>
+          </a:p>
+          <a:p>
+            <a:r>
+              <a:rPr lang="en-US" dirty="0"/>
               <a:t>We generated the randomized inputs (bad sample) by:</a:t>
             </a:r>
           </a:p>
           <a:p>
             <a:pPr lvl="1"/>
             <a:r>
-              <a:rPr lang="en-US" dirty="0" smtClean="0"/>
+              <a:rPr lang="en-US" dirty="0"/>
               <a:t>For each good sample, generate a string in the same length</a:t>
             </a:r>
           </a:p>
           <a:p>
             <a:pPr lvl="1"/>
             <a:r>
-              <a:rPr lang="en-US" dirty="0" smtClean="0"/>
+              <a:rPr lang="en-US" dirty="0"/>
               <a:t>The alphabet is A-Z, a-z, 0-9 and specific whitespaces and </a:t>
             </a:r>
             <a:r>
-              <a:rPr lang="en-US" dirty="0" err="1" smtClean="0"/>
+              <a:rPr lang="en-US" dirty="0" err="1"/>
               <a:t>puntiuation</a:t>
             </a:r>
-            <a:endParaRPr lang="en-US" dirty="0" smtClean="0"/>
+            <a:endParaRPr lang="en-US" dirty="0"/>
           </a:p>
           <a:p>
             <a:pPr lvl="1"/>
@@ -6405,50 +7285,6 @@
           </a:p>
           <a:p>
             <a:pPr lvl="1"/>
-            <a:endParaRPr lang="en-US" dirty="0" smtClean="0"/>
-          </a:p>
-        </p:txBody>
-      </p:sp>
-      <p:sp>
-        <p:nvSpPr>
-          <p:cNvPr id="4" name="Oval 3"/>
-          <p:cNvSpPr/>
-          <p:nvPr/>
-        </p:nvSpPr>
-        <p:spPr>
-          <a:xfrm>
-            <a:off x="1177159" y="964692"/>
-            <a:ext cx="3452648" cy="606605"/>
-          </a:xfrm>
-          <a:prstGeom prst="ellipse">
-            <a:avLst/>
-          </a:prstGeom>
-        </p:spPr>
-        <p:style>
-          <a:lnRef idx="2">
-            <a:schemeClr val="accent1">
-              <a:shade val="50000"/>
-            </a:schemeClr>
-          </a:lnRef>
-          <a:fillRef idx="1">
-            <a:schemeClr val="accent1"/>
-          </a:fillRef>
-          <a:effectRef idx="0">
-            <a:schemeClr val="accent1"/>
-          </a:effectRef>
-          <a:fontRef idx="minor">
-            <a:schemeClr val="lt1"/>
-          </a:fontRef>
-        </p:style>
-        <p:txBody>
-          <a:bodyPr rtlCol="0" anchor="ctr"/>
-          <a:lstStyle/>
-          <a:p>
-            <a:pPr algn="ctr"/>
-            <a:r>
-              <a:rPr lang="en-US" dirty="0" smtClean="0"/>
-              <a:t>Where did we take this list?</a:t>
-            </a:r>
             <a:endParaRPr lang="en-US" dirty="0"/>
           </a:p>
         </p:txBody>
@@ -6463,13 +7299,6 @@
   <p:clrMapOvr>
     <a:masterClrMapping/>
   </p:clrMapOvr>
-  <p:timing>
-    <p:tnLst>
-      <p:par>
-        <p:cTn id="1" dur="indefinite" restart="never" nodeType="tmRoot"/>
-      </p:par>
-    </p:tnLst>
-  </p:timing>
 </p:sld>
 </file>
 
@@ -6506,10 +7335,9 @@
           <a:lstStyle/>
           <a:p>
             <a:r>
-              <a:rPr lang="en-US" dirty="0" smtClean="0"/>
+              <a:rPr lang="en-US" dirty="0"/>
               <a:t>Basic Naïve solution</a:t>
             </a:r>
-            <a:endParaRPr lang="en-US" dirty="0"/>
           </a:p>
         </p:txBody>
       </p:sp>
@@ -6533,7 +7361,7 @@
               <a:lstStyle/>
               <a:p>
                 <a:r>
-                  <a:rPr lang="en-US" dirty="0" smtClean="0"/>
+                  <a:rPr lang="en-US" dirty="0"/>
                   <a:t>Calculate for each character in a good sample ‘s’:</a:t>
                 </a:r>
               </a:p>
@@ -6640,7 +7468,13 @@
                               <a:rPr lang="en-US" b="0" i="1" dirty="0" smtClean="0">
                                 <a:latin typeface="Cambria Math" panose="02040503050406030204" pitchFamily="18" charset="0"/>
                               </a:rPr>
-                              <m:t>−1</m:t>
+                              <m:t>−</m:t>
+                            </m:r>
+                            <m:r>
+                              <a:rPr lang="en-US" b="0" i="1" dirty="0" smtClean="0">
+                                <a:latin typeface="Cambria Math" panose="02040503050406030204" pitchFamily="18" charset="0"/>
+                              </a:rPr>
+                              <m:t>1</m:t>
                             </m:r>
                           </m:e>
                         </m:d>
@@ -6677,7 +7511,13 @@
                               <a:rPr lang="en-US" i="1" dirty="0">
                                 <a:latin typeface="Cambria Math" panose="02040503050406030204" pitchFamily="18" charset="0"/>
                               </a:rPr>
-                              <m:t>−2</m:t>
+                              <m:t>−</m:t>
+                            </m:r>
+                            <m:r>
+                              <a:rPr lang="en-US" i="1" dirty="0">
+                                <a:latin typeface="Cambria Math" panose="02040503050406030204" pitchFamily="18" charset="0"/>
+                              </a:rPr>
+                              <m:t>2</m:t>
                             </m:r>
                           </m:e>
                         </m:d>
@@ -6691,22 +7531,18 @@
                     </m:r>
                   </m:oMath>
                 </a14:m>
-                <a:r>
-                  <a:rPr lang="en-US" dirty="0" smtClean="0"/>
-                  <a:t/>
-                </a:r>
                 <a:br>
-                  <a:rPr lang="en-US" dirty="0" smtClean="0"/>
+                  <a:rPr lang="en-US" dirty="0"/>
                 </a:br>
                 <a:r>
-                  <a:rPr lang="en-US" dirty="0" smtClean="0"/>
+                  <a:rPr lang="en-US" dirty="0"/>
                   <a:t>probability of a given character in a specific location in string, given two previous characters</a:t>
                 </a:r>
               </a:p>
               <a:p>
                 <a:pPr lvl="1"/>
                 <a:r>
-                  <a:rPr lang="en-US" dirty="0" smtClean="0"/>
+                  <a:rPr lang="en-US" dirty="0"/>
                   <a:t>For each example in training set, create vector:</a:t>
                 </a:r>
               </a:p>
@@ -6816,12 +7652,12 @@
                     </m:d>
                   </m:oMath>
                 </a14:m>
-                <a:endParaRPr lang="en-US" dirty="0" smtClean="0"/>
+                <a:endParaRPr lang="en-US" dirty="0"/>
               </a:p>
               <a:p>
                 <a:pPr lvl="1"/>
                 <a:r>
-                  <a:rPr lang="en-US" dirty="0" smtClean="0"/>
+                  <a:rPr lang="en-US" dirty="0"/>
                   <a:t>Find coefficients </a:t>
                 </a:r>
                 <a14:m>
@@ -6929,11 +7765,11 @@
                   </m:oMath>
                 </a14:m>
                 <a:r>
-                  <a:rPr lang="en-US" dirty="0" smtClean="0"/>
+                  <a:rPr lang="en-US" dirty="0"/>
                   <a:t> so that :</a:t>
                 </a:r>
                 <a:br>
-                  <a:rPr lang="en-US" dirty="0" smtClean="0"/>
+                  <a:rPr lang="en-US" dirty="0"/>
                 </a:br>
                 <a14:m>
                   <m:oMath xmlns:m="http://schemas.openxmlformats.org/officeDocument/2006/math">
@@ -7316,10 +8152,9 @@
               <a:p>
                 <a:pPr lvl="1"/>
                 <a:r>
-                  <a:rPr lang="en-US" dirty="0" smtClean="0"/>
+                  <a:rPr lang="en-US" dirty="0"/>
                   <a:t>Sounds like logistic regression…</a:t>
                 </a:r>
-                <a:endParaRPr lang="en-US" dirty="0"/>
               </a:p>
               <a:p>
                 <a:pPr lvl="2"/>
@@ -7372,13 +8207,6 @@
   <p:clrMapOvr>
     <a:masterClrMapping/>
   </p:clrMapOvr>
-  <p:timing>
-    <p:tnLst>
-      <p:par>
-        <p:cTn id="1" dur="indefinite" restart="never" nodeType="tmRoot"/>
-      </p:par>
-    </p:tnLst>
-  </p:timing>
 </p:sld>
 </file>
 
@@ -7415,11 +8243,11 @@
           <a:lstStyle/>
           <a:p>
             <a:r>
-              <a:rPr lang="en-US" dirty="0" smtClean="0"/>
+              <a:rPr lang="en-US" dirty="0"/>
               <a:t>Data </a:t>
             </a:r>
             <a:r>
-              <a:rPr lang="en-US" dirty="0" err="1" smtClean="0"/>
+              <a:rPr lang="en-US" dirty="0" err="1"/>
               <a:t>preperation</a:t>
             </a:r>
             <a:endParaRPr lang="en-US" dirty="0"/>
@@ -7444,13 +8272,13 @@
               <a:lstStyle/>
               <a:p>
                 <a:r>
-                  <a:rPr lang="en-US" dirty="0" smtClean="0"/>
+                  <a:rPr lang="en-US" dirty="0"/>
                   <a:t>Get all good samples, split 10%, 70% and 20%</a:t>
                 </a:r>
               </a:p>
               <a:p>
                 <a:r>
-                  <a:rPr lang="en-US" dirty="0" smtClean="0"/>
+                  <a:rPr lang="en-US" dirty="0"/>
                   <a:t>On 10% , calculate probabilities of </a:t>
                 </a:r>
                 <a14:m>
@@ -7554,7 +8382,13 @@
                               <a:rPr lang="en-US" i="1" dirty="0">
                                 <a:latin typeface="Cambria Math" panose="02040503050406030204" pitchFamily="18" charset="0"/>
                               </a:rPr>
-                              <m:t>−1</m:t>
+                              <m:t>−</m:t>
+                            </m:r>
+                            <m:r>
+                              <a:rPr lang="en-US" i="1" dirty="0">
+                                <a:latin typeface="Cambria Math" panose="02040503050406030204" pitchFamily="18" charset="0"/>
+                              </a:rPr>
+                              <m:t>1</m:t>
                             </m:r>
                           </m:e>
                         </m:d>
@@ -7591,7 +8425,13 @@
                               <a:rPr lang="en-US" i="1" dirty="0">
                                 <a:latin typeface="Cambria Math" panose="02040503050406030204" pitchFamily="18" charset="0"/>
                               </a:rPr>
-                              <m:t>−2</m:t>
+                              <m:t>−</m:t>
+                            </m:r>
+                            <m:r>
+                              <a:rPr lang="en-US" i="1" dirty="0">
+                                <a:latin typeface="Cambria Math" panose="02040503050406030204" pitchFamily="18" charset="0"/>
+                              </a:rPr>
+                              <m:t>2</m:t>
                             </m:r>
                           </m:e>
                         </m:d>
@@ -7599,26 +8439,25 @@
                     </m:d>
                   </m:oMath>
                 </a14:m>
-                <a:endParaRPr lang="en-US" dirty="0" smtClean="0"/>
+                <a:endParaRPr lang="en-US" dirty="0"/>
               </a:p>
               <a:p>
                 <a:r>
-                  <a:rPr lang="en-US" dirty="0" smtClean="0"/>
+                  <a:rPr lang="en-US" dirty="0"/>
                   <a:t>Replace every input with probabilities vector.</a:t>
                 </a:r>
               </a:p>
               <a:p>
                 <a:r>
-                  <a:rPr lang="en-US" dirty="0" smtClean="0"/>
+                  <a:rPr lang="en-US" dirty="0"/>
                   <a:t>On 70%, train logistical regression</a:t>
                 </a:r>
               </a:p>
               <a:p>
                 <a:r>
-                  <a:rPr lang="en-US" dirty="0" smtClean="0"/>
+                  <a:rPr lang="en-US" dirty="0"/>
                   <a:t>Rest - test</a:t>
                 </a:r>
-                <a:endParaRPr lang="en-US" dirty="0"/>
               </a:p>
             </p:txBody>
           </p:sp>
@@ -7667,13 +8506,6 @@
   <p:clrMapOvr>
     <a:masterClrMapping/>
   </p:clrMapOvr>
-  <p:timing>
-    <p:tnLst>
-      <p:par>
-        <p:cTn id="1" dur="indefinite" restart="never" nodeType="tmRoot"/>
-      </p:par>
-    </p:tnLst>
-  </p:timing>
 </p:sld>
 </file>
 
@@ -7710,10 +8542,9 @@
           <a:lstStyle/>
           <a:p>
             <a:r>
-              <a:rPr lang="en-US" dirty="0" smtClean="0"/>
+              <a:rPr lang="en-US" dirty="0"/>
               <a:t>performance</a:t>
             </a:r>
-            <a:endParaRPr lang="en-US" dirty="0"/>
           </a:p>
         </p:txBody>
       </p:sp>
